--- a/TournamentScheduler.pptx
+++ b/TournamentScheduler.pptx
@@ -5,7 +5,7 @@
     <p:sldMasterId id="2147483648" r:id="rId1"/>
   </p:sldMasterIdLst>
   <p:notesMasterIdLst>
-    <p:notesMasterId r:id="rId15"/>
+    <p:notesMasterId r:id="rId14"/>
   </p:notesMasterIdLst>
   <p:sldIdLst>
     <p:sldId id="256" r:id="rId2"/>
@@ -18,27 +18,26 @@
     <p:sldId id="263" r:id="rId9"/>
     <p:sldId id="264" r:id="rId10"/>
     <p:sldId id="265" r:id="rId11"/>
-    <p:sldId id="266" r:id="rId12"/>
-    <p:sldId id="267" r:id="rId13"/>
-    <p:sldId id="268" r:id="rId14"/>
+    <p:sldId id="267" r:id="rId12"/>
+    <p:sldId id="268" r:id="rId13"/>
   </p:sldIdLst>
   <p:sldSz cx="14630400" cy="8229600"/>
   <p:notesSz cx="8229600" cy="14630400"/>
   <p:embeddedFontLst>
     <p:embeddedFont>
       <p:font typeface="Cabin" panose="020B0604020202020204" charset="0"/>
-      <p:regular r:id="rId16"/>
+      <p:regular r:id="rId15"/>
     </p:embeddedFont>
     <p:embeddedFont>
       <p:font typeface="Consolas" panose="020B0609020204030204" pitchFamily="49" charset="0"/>
-      <p:regular r:id="rId17"/>
-      <p:bold r:id="rId18"/>
-      <p:italic r:id="rId19"/>
-      <p:boldItalic r:id="rId20"/>
+      <p:regular r:id="rId16"/>
+      <p:bold r:id="rId17"/>
+      <p:italic r:id="rId18"/>
+      <p:boldItalic r:id="rId19"/>
     </p:embeddedFont>
     <p:embeddedFont>
       <p:font typeface="Unbounded" panose="020B0604020202020204" charset="0"/>
-      <p:regular r:id="rId21"/>
+      <p:regular r:id="rId20"/>
     </p:embeddedFont>
   </p:embeddedFontLst>
   <p:defaultTextStyle>
@@ -511,7 +510,7 @@
     </p:spTree>
     <p:extLst>
       <p:ext uri="{BB962C8B-B14F-4D97-AF65-F5344CB8AC3E}">
-        <p14:creationId xmlns:p14="http://schemas.microsoft.com/office/powerpoint/2010/main" val="1063691107"/>
+        <p14:creationId xmlns:p14="http://schemas.microsoft.com/office/powerpoint/2010/main" val="2184397068"/>
       </p:ext>
     </p:extLst>
   </p:cSld>
@@ -587,90 +586,6 @@
             <a:fld id="{F7021451-1387-4CA6-816F-3879F97B5CBC}" type="slidenum">
               <a:rPr lang="en-US"/>
               <a:t>12</a:t>
-            </a:fld>
-            <a:endParaRPr lang="en-US"/>
-          </a:p>
-        </p:txBody>
-      </p:sp>
-    </p:spTree>
-    <p:extLst>
-      <p:ext uri="{BB962C8B-B14F-4D97-AF65-F5344CB8AC3E}">
-        <p14:creationId xmlns:p14="http://schemas.microsoft.com/office/powerpoint/2010/main" val="2184397068"/>
-      </p:ext>
-    </p:extLst>
-  </p:cSld>
-  <p:clrMapOvr>
-    <a:masterClrMapping/>
-  </p:clrMapOvr>
-</p:notes>
-</file>
-
-<file path=ppt/notesSlides/notesSlide13.xml><?xml version="1.0" encoding="utf-8"?>
-<p:notes xmlns:a="http://schemas.openxmlformats.org/drawingml/2006/main" xmlns:r="http://schemas.openxmlformats.org/officeDocument/2006/relationships" xmlns:p="http://schemas.openxmlformats.org/presentationml/2006/main">
-  <p:cSld>
-    <p:spTree>
-      <p:nvGrpSpPr>
-        <p:cNvPr id="1" name=""/>
-        <p:cNvGrpSpPr/>
-        <p:nvPr/>
-      </p:nvGrpSpPr>
-      <p:grpSpPr>
-        <a:xfrm>
-          <a:off x="0" y="0"/>
-          <a:ext cx="0" cy="0"/>
-          <a:chOff x="0" y="0"/>
-          <a:chExt cx="0" cy="0"/>
-        </a:xfrm>
-      </p:grpSpPr>
-      <p:sp>
-        <p:nvSpPr>
-          <p:cNvPr id="2" name="Slide Image Placeholder 1"/>
-          <p:cNvSpPr>
-            <a:spLocks noGrp="1" noRot="1" noChangeAspect="1"/>
-          </p:cNvSpPr>
-          <p:nvPr>
-            <p:ph type="sldImg"/>
-          </p:nvPr>
-        </p:nvSpPr>
-        <p:spPr/>
-      </p:sp>
-      <p:sp>
-        <p:nvSpPr>
-          <p:cNvPr id="3" name="Notes Placeholder 2"/>
-          <p:cNvSpPr>
-            <a:spLocks noGrp="1"/>
-          </p:cNvSpPr>
-          <p:nvPr>
-            <p:ph type="body" idx="1"/>
-          </p:nvPr>
-        </p:nvSpPr>
-        <p:spPr/>
-        <p:txBody>
-          <a:bodyPr/>
-          <a:lstStyle/>
-          <a:p>
-            <a:endParaRPr lang="en-US" dirty="0"/>
-          </a:p>
-        </p:txBody>
-      </p:sp>
-      <p:sp>
-        <p:nvSpPr>
-          <p:cNvPr id="4" name="Slide Number Placeholder 3"/>
-          <p:cNvSpPr>
-            <a:spLocks noGrp="1"/>
-          </p:cNvSpPr>
-          <p:nvPr>
-            <p:ph type="sldNum" sz="quarter" idx="10"/>
-          </p:nvPr>
-        </p:nvSpPr>
-        <p:spPr/>
-        <p:txBody>
-          <a:bodyPr/>
-          <a:lstStyle/>
-          <a:p>
-            <a:fld id="{F7021451-1387-4CA6-816F-3879F97B5CBC}" type="slidenum">
-              <a:rPr lang="en-US"/>
-              <a:t>13</a:t>
             </a:fld>
             <a:endParaRPr lang="en-US"/>
           </a:p>
@@ -2484,17 +2399,25 @@
               <a:buNone/>
             </a:pPr>
             <a:r>
-              <a:rPr lang="en-US" sz="1850" dirty="0">
-                <a:solidFill>
-                  <a:srgbClr val="CAD6DE"/>
-                </a:solidFill>
-                <a:latin typeface="Cabin" pitchFamily="34" charset="0"/>
-                <a:ea typeface="Cabin" pitchFamily="34" charset="-122"/>
-                <a:cs typeface="Cabin" pitchFamily="34" charset="-120"/>
-              </a:rPr>
-              <a:t>Welcome to this presentation exploring the intriguing question: Does true fairness exist? Specifically, we'll delve into the realm of tournament schedulers, examining how these systems balance fairness with practicality. Join us as we unravel the complexities of tournament formats, algorithm design, and code implementation, demonstrating the interplay between fairness and efficiency in competitive environments.</a:t>
-            </a:r>
-            <a:endParaRPr lang="en-US" sz="1850" dirty="0"/>
+              <a:rPr lang="en-US" sz="1850" b="0" i="0" dirty="0">
+                <a:solidFill>
+                  <a:schemeClr val="bg1">
+                    <a:lumMod val="75000"/>
+                  </a:schemeClr>
+                </a:solidFill>
+                <a:effectLst/>
+                <a:latin typeface="Cabin" panose="020B0604020202020204" charset="0"/>
+              </a:rPr>
+              <a:t>Today, we’re diving into tournament schedulers—how they work and how they balance fairness and practicality. We’ll explore different tournament formats, the algorithms behind them, and how we can develop solutions that meet both fairness and efficiency in competitive environments.</a:t>
+            </a:r>
+            <a:endParaRPr lang="en-US" sz="1850" dirty="0">
+              <a:solidFill>
+                <a:schemeClr val="bg1">
+                  <a:lumMod val="75000"/>
+                </a:schemeClr>
+              </a:solidFill>
+              <a:latin typeface="Cabin" panose="020B0604020202020204" charset="0"/>
+            </a:endParaRPr>
           </a:p>
         </p:txBody>
       </p:sp>
@@ -2906,144 +2829,6 @@
           <a:chExt cx="0" cy="0"/>
         </a:xfrm>
       </p:grpSpPr>
-      <p:pic>
-        <p:nvPicPr>
-          <p:cNvPr id="2" name="Image 0" descr="preencoded.png"/>
-          <p:cNvPicPr>
-            <a:picLocks noChangeAspect="1"/>
-          </p:cNvPicPr>
-          <p:nvPr/>
-        </p:nvPicPr>
-        <p:blipFill>
-          <a:blip r:embed="rId3"/>
-          <a:stretch>
-            <a:fillRect/>
-          </a:stretch>
-        </p:blipFill>
-        <p:spPr>
-          <a:xfrm>
-            <a:off x="0" y="0"/>
-            <a:ext cx="5486400" cy="8229600"/>
-          </a:xfrm>
-          <a:prstGeom prst="rect">
-            <a:avLst/>
-          </a:prstGeom>
-        </p:spPr>
-      </p:pic>
-      <p:sp>
-        <p:nvSpPr>
-          <p:cNvPr id="3" name="Text 0"/>
-          <p:cNvSpPr/>
-          <p:nvPr/>
-        </p:nvSpPr>
-        <p:spPr>
-          <a:xfrm>
-            <a:off x="6324124" y="1034177"/>
-            <a:ext cx="7468553" cy="2816066"/>
-          </a:xfrm>
-          <a:prstGeom prst="rect">
-            <a:avLst/>
-          </a:prstGeom>
-          <a:noFill/>
-          <a:ln/>
-        </p:spPr>
-        <p:txBody>
-          <a:bodyPr wrap="square" lIns="0" tIns="0" rIns="0" bIns="0" rtlCol="0" anchor="t"/>
-          <a:lstStyle/>
-          <a:p>
-            <a:pPr marL="0" indent="0">
-              <a:lnSpc>
-                <a:spcPts val="5500"/>
-              </a:lnSpc>
-              <a:buNone/>
-            </a:pPr>
-            <a:r>
-              <a:rPr lang="en-US" sz="4400" dirty="0">
-                <a:solidFill>
-                  <a:srgbClr val="FFFFFF"/>
-                </a:solidFill>
-                <a:latin typeface="Unbounded" pitchFamily="34" charset="0"/>
-                <a:ea typeface="Unbounded" pitchFamily="34" charset="-122"/>
-                <a:cs typeface="Unbounded" pitchFamily="34" charset="-120"/>
-              </a:rPr>
-              <a:t>Tournament Scheduler: Balancing Fairness &amp; Practicality</a:t>
-            </a:r>
-            <a:endParaRPr lang="en-US" sz="4400" dirty="0"/>
-          </a:p>
-        </p:txBody>
-      </p:sp>
-      <p:sp>
-        <p:nvSpPr>
-          <p:cNvPr id="4" name="Text 1"/>
-          <p:cNvSpPr/>
-          <p:nvPr/>
-        </p:nvSpPr>
-        <p:spPr>
-          <a:xfrm>
-            <a:off x="6324124" y="4209217"/>
-            <a:ext cx="7468553" cy="2298144"/>
-          </a:xfrm>
-          <a:prstGeom prst="rect">
-            <a:avLst/>
-          </a:prstGeom>
-          <a:noFill/>
-          <a:ln/>
-        </p:spPr>
-        <p:txBody>
-          <a:bodyPr wrap="square" lIns="0" tIns="0" rIns="0" bIns="0" rtlCol="0" anchor="t"/>
-          <a:lstStyle/>
-          <a:p>
-            <a:pPr marL="0" indent="0">
-              <a:lnSpc>
-                <a:spcPts val="3000"/>
-              </a:lnSpc>
-              <a:buNone/>
-            </a:pPr>
-            <a:r>
-              <a:rPr lang="en-US" sz="1850" dirty="0">
-                <a:solidFill>
-                  <a:srgbClr val="CAD6DE"/>
-                </a:solidFill>
-                <a:latin typeface="Cabin" pitchFamily="34" charset="0"/>
-                <a:ea typeface="Cabin" pitchFamily="34" charset="-122"/>
-                <a:cs typeface="Cabin" pitchFamily="34" charset="-120"/>
-              </a:rPr>
-              <a:t>This presentation explores the challenges of designing a tournament scheduler that balances fairness and practicality. We will delve into two popular scheduling methods – Round Robin and Single Elimination – analyzing their strengths and weaknesses. We'll then discuss how to achieve a balance between fairness and practicality by utilizing a hybrid approach.</a:t>
-            </a:r>
-            <a:endParaRPr lang="en-US" sz="1850" dirty="0"/>
-          </a:p>
-        </p:txBody>
-      </p:sp>
-    </p:spTree>
-    <p:extLst>
-      <p:ext uri="{BB962C8B-B14F-4D97-AF65-F5344CB8AC3E}">
-        <p14:creationId xmlns:p14="http://schemas.microsoft.com/office/powerpoint/2010/main" val="2272984758"/>
-      </p:ext>
-    </p:extLst>
-  </p:cSld>
-  <p:clrMapOvr>
-    <a:masterClrMapping/>
-  </p:clrMapOvr>
-</p:sld>
-</file>
-
-<file path=ppt/slides/slide12.xml><?xml version="1.0" encoding="utf-8"?>
-<p:sld xmlns:a="http://schemas.openxmlformats.org/drawingml/2006/main" xmlns:r="http://schemas.openxmlformats.org/officeDocument/2006/relationships" xmlns:p="http://schemas.openxmlformats.org/presentationml/2006/main">
-  <p:cSld>
-    <p:spTree>
-      <p:nvGrpSpPr>
-        <p:cNvPr id="1" name=""/>
-        <p:cNvGrpSpPr/>
-        <p:nvPr/>
-      </p:nvGrpSpPr>
-      <p:grpSpPr>
-        <a:xfrm>
-          <a:off x="0" y="0"/>
-          <a:ext cx="0" cy="0"/>
-          <a:chOff x="0" y="0"/>
-          <a:chExt cx="0" cy="0"/>
-        </a:xfrm>
-      </p:grpSpPr>
       <p:sp>
         <p:nvSpPr>
           <p:cNvPr id="2" name="Text 0"/>
@@ -3628,7 +3413,7 @@
 </p:sld>
 </file>
 
-<file path=ppt/slides/slide13.xml><?xml version="1.0" encoding="utf-8"?>
+<file path=ppt/slides/slide12.xml><?xml version="1.0" encoding="utf-8"?>
 <p:sld xmlns:a="http://schemas.openxmlformats.org/drawingml/2006/main" xmlns:r="http://schemas.openxmlformats.org/officeDocument/2006/relationships" xmlns:p="http://schemas.openxmlformats.org/presentationml/2006/main">
   <p:cSld>
     <p:spTree>

--- a/TournamentScheduler.pptx
+++ b/TournamentScheduler.pptx
@@ -5,39 +5,40 @@
     <p:sldMasterId id="2147483648" r:id="rId1"/>
   </p:sldMasterIdLst>
   <p:notesMasterIdLst>
-    <p:notesMasterId r:id="rId14"/>
+    <p:notesMasterId r:id="rId15"/>
   </p:notesMasterIdLst>
   <p:sldIdLst>
-    <p:sldId id="256" r:id="rId2"/>
-    <p:sldId id="257" r:id="rId3"/>
-    <p:sldId id="258" r:id="rId4"/>
-    <p:sldId id="259" r:id="rId5"/>
-    <p:sldId id="260" r:id="rId6"/>
-    <p:sldId id="261" r:id="rId7"/>
-    <p:sldId id="262" r:id="rId8"/>
-    <p:sldId id="263" r:id="rId9"/>
-    <p:sldId id="264" r:id="rId10"/>
-    <p:sldId id="265" r:id="rId11"/>
-    <p:sldId id="267" r:id="rId12"/>
-    <p:sldId id="268" r:id="rId13"/>
+    <p:sldId id="269" r:id="rId2"/>
+    <p:sldId id="256" r:id="rId3"/>
+    <p:sldId id="257" r:id="rId4"/>
+    <p:sldId id="258" r:id="rId5"/>
+    <p:sldId id="259" r:id="rId6"/>
+    <p:sldId id="260" r:id="rId7"/>
+    <p:sldId id="261" r:id="rId8"/>
+    <p:sldId id="262" r:id="rId9"/>
+    <p:sldId id="263" r:id="rId10"/>
+    <p:sldId id="264" r:id="rId11"/>
+    <p:sldId id="265" r:id="rId12"/>
+    <p:sldId id="267" r:id="rId13"/>
+    <p:sldId id="268" r:id="rId14"/>
   </p:sldIdLst>
   <p:sldSz cx="14630400" cy="8229600"/>
   <p:notesSz cx="8229600" cy="14630400"/>
   <p:embeddedFontLst>
     <p:embeddedFont>
       <p:font typeface="Cabin" panose="020B0604020202020204" charset="0"/>
-      <p:regular r:id="rId15"/>
+      <p:regular r:id="rId16"/>
     </p:embeddedFont>
     <p:embeddedFont>
       <p:font typeface="Consolas" panose="020B0609020204030204" pitchFamily="49" charset="0"/>
-      <p:regular r:id="rId16"/>
-      <p:bold r:id="rId17"/>
-      <p:italic r:id="rId18"/>
-      <p:boldItalic r:id="rId19"/>
+      <p:regular r:id="rId17"/>
+      <p:bold r:id="rId18"/>
+      <p:italic r:id="rId19"/>
+      <p:boldItalic r:id="rId20"/>
     </p:embeddedFont>
     <p:embeddedFont>
       <p:font typeface="Unbounded" panose="020B0604020202020204" charset="0"/>
-      <p:regular r:id="rId20"/>
+      <p:regular r:id="rId21"/>
     </p:embeddedFont>
   </p:embeddedFontLst>
   <p:defaultTextStyle>
@@ -333,7 +334,7 @@
           <a:p>
             <a:fld id="{F7021451-1387-4CA6-816F-3879F97B5CBC}" type="slidenum">
               <a:rPr lang="en-US"/>
-              <a:t>1</a:t>
+              <a:t>2</a:t>
             </a:fld>
             <a:endParaRPr lang="en-US"/>
           </a:p>
@@ -417,7 +418,7 @@
           <a:p>
             <a:fld id="{F7021451-1387-4CA6-816F-3879F97B5CBC}" type="slidenum">
               <a:rPr lang="en-US"/>
-              <a:t>10</a:t>
+              <a:t>11</a:t>
             </a:fld>
             <a:endParaRPr lang="en-US"/>
           </a:p>
@@ -501,7 +502,7 @@
           <a:p>
             <a:fld id="{F7021451-1387-4CA6-816F-3879F97B5CBC}" type="slidenum">
               <a:rPr lang="en-US"/>
-              <a:t>11</a:t>
+              <a:t>12</a:t>
             </a:fld>
             <a:endParaRPr lang="en-US"/>
           </a:p>
@@ -585,7 +586,7 @@
           <a:p>
             <a:fld id="{F7021451-1387-4CA6-816F-3879F97B5CBC}" type="slidenum">
               <a:rPr lang="en-US"/>
-              <a:t>12</a:t>
+              <a:t>13</a:t>
             </a:fld>
             <a:endParaRPr lang="en-US"/>
           </a:p>
@@ -669,7 +670,7 @@
           <a:p>
             <a:fld id="{F7021451-1387-4CA6-816F-3879F97B5CBC}" type="slidenum">
               <a:rPr lang="en-US"/>
-              <a:t>2</a:t>
+              <a:t>3</a:t>
             </a:fld>
             <a:endParaRPr lang="en-US"/>
           </a:p>
@@ -753,7 +754,7 @@
           <a:p>
             <a:fld id="{F7021451-1387-4CA6-816F-3879F97B5CBC}" type="slidenum">
               <a:rPr lang="en-US"/>
-              <a:t>3</a:t>
+              <a:t>4</a:t>
             </a:fld>
             <a:endParaRPr lang="en-US"/>
           </a:p>
@@ -837,7 +838,7 @@
           <a:p>
             <a:fld id="{F7021451-1387-4CA6-816F-3879F97B5CBC}" type="slidenum">
               <a:rPr lang="en-US"/>
-              <a:t>4</a:t>
+              <a:t>5</a:t>
             </a:fld>
             <a:endParaRPr lang="en-US"/>
           </a:p>
@@ -921,7 +922,7 @@
           <a:p>
             <a:fld id="{F7021451-1387-4CA6-816F-3879F97B5CBC}" type="slidenum">
               <a:rPr lang="en-US"/>
-              <a:t>5</a:t>
+              <a:t>6</a:t>
             </a:fld>
             <a:endParaRPr lang="en-US"/>
           </a:p>
@@ -1005,7 +1006,7 @@
           <a:p>
             <a:fld id="{F7021451-1387-4CA6-816F-3879F97B5CBC}" type="slidenum">
               <a:rPr lang="en-US"/>
-              <a:t>6</a:t>
+              <a:t>7</a:t>
             </a:fld>
             <a:endParaRPr lang="en-US"/>
           </a:p>
@@ -1089,7 +1090,7 @@
           <a:p>
             <a:fld id="{F7021451-1387-4CA6-816F-3879F97B5CBC}" type="slidenum">
               <a:rPr lang="en-US"/>
-              <a:t>7</a:t>
+              <a:t>8</a:t>
             </a:fld>
             <a:endParaRPr lang="en-US"/>
           </a:p>
@@ -1173,7 +1174,7 @@
           <a:p>
             <a:fld id="{F7021451-1387-4CA6-816F-3879F97B5CBC}" type="slidenum">
               <a:rPr lang="en-US"/>
-              <a:t>8</a:t>
+              <a:t>9</a:t>
             </a:fld>
             <a:endParaRPr lang="en-US"/>
           </a:p>
@@ -1257,7 +1258,7 @@
           <a:p>
             <a:fld id="{F7021451-1387-4CA6-816F-3879F97B5CBC}" type="slidenum">
               <a:rPr lang="en-US"/>
-              <a:t>9</a:t>
+              <a:t>10</a:t>
             </a:fld>
             <a:endParaRPr lang="en-US"/>
           </a:p>
@@ -2290,7 +2291,7 @@
 
 <file path=ppt/slides/slide1.xml><?xml version="1.0" encoding="utf-8"?>
 <p:sld xmlns:a="http://schemas.openxmlformats.org/drawingml/2006/main" xmlns:r="http://schemas.openxmlformats.org/officeDocument/2006/relationships" xmlns:p="http://schemas.openxmlformats.org/presentationml/2006/main">
-  <p:cSld name="Slide 1">
+  <p:cSld>
     <p:spTree>
       <p:nvGrpSpPr>
         <p:cNvPr id="1" name=""/>
@@ -2305,40 +2306,122 @@
           <a:chExt cx="0" cy="0"/>
         </a:xfrm>
       </p:grpSpPr>
+      <p:sp>
+        <p:nvSpPr>
+          <p:cNvPr id="3" name="TextBox 2">
+            <a:extLst>
+              <a:ext uri="{FF2B5EF4-FFF2-40B4-BE49-F238E27FC236}">
+                <a16:creationId xmlns:a16="http://schemas.microsoft.com/office/drawing/2014/main" id="{FB3257D4-2A31-69E9-1929-4B5417048081}"/>
+              </a:ext>
+            </a:extLst>
+          </p:cNvPr>
+          <p:cNvSpPr txBox="1"/>
+          <p:nvPr/>
+        </p:nvSpPr>
+        <p:spPr>
+          <a:xfrm>
+            <a:off x="3369735" y="2849771"/>
+            <a:ext cx="7569200" cy="2123658"/>
+          </a:xfrm>
+          <a:prstGeom prst="rect">
+            <a:avLst/>
+          </a:prstGeom>
+          <a:noFill/>
+        </p:spPr>
+        <p:txBody>
+          <a:bodyPr wrap="square" rtlCol="0">
+            <a:spAutoFit/>
+          </a:bodyPr>
+          <a:lstStyle/>
+          <a:p>
+            <a:pPr algn="ctr"/>
+            <a:r>
+              <a:rPr lang="en-US" sz="6600" dirty="0">
+                <a:solidFill>
+                  <a:srgbClr val="FFFFFF"/>
+                </a:solidFill>
+                <a:latin typeface="Unbounded" pitchFamily="34" charset="0"/>
+                <a:ea typeface="Unbounded" pitchFamily="34" charset="-122"/>
+                <a:cs typeface="Unbounded" pitchFamily="34" charset="-120"/>
+              </a:rPr>
+              <a:t>Tournament Scheduler</a:t>
+            </a:r>
+            <a:endParaRPr lang="en-US" sz="6600" dirty="0"/>
+          </a:p>
+        </p:txBody>
+      </p:sp>
       <p:pic>
         <p:nvPicPr>
-          <p:cNvPr id="2" name="Image 0" descr="preencoded.png"/>
+          <p:cNvPr id="5" name="Picture 4" descr="A green glowing lines and dots&#10;&#10;Description automatically generated">
+            <a:extLst>
+              <a:ext uri="{FF2B5EF4-FFF2-40B4-BE49-F238E27FC236}">
+                <a16:creationId xmlns:a16="http://schemas.microsoft.com/office/drawing/2014/main" id="{AF65759E-A55B-69B2-4216-D8165789EC92}"/>
+              </a:ext>
+            </a:extLst>
+          </p:cNvPr>
           <p:cNvPicPr>
             <a:picLocks noChangeAspect="1"/>
           </p:cNvPicPr>
           <p:nvPr/>
         </p:nvPicPr>
         <p:blipFill>
-          <a:blip r:embed="rId3"/>
+          <a:blip r:embed="rId2">
+            <a:alphaModFix amt="35000"/>
+          </a:blip>
           <a:stretch>
             <a:fillRect/>
           </a:stretch>
         </p:blipFill>
         <p:spPr>
           <a:xfrm>
-            <a:off x="9144000" y="0"/>
-            <a:ext cx="5486400" cy="8229600"/>
+            <a:off x="0" y="0"/>
+            <a:ext cx="14630400" cy="8229600"/>
           </a:xfrm>
           <a:prstGeom prst="rect">
             <a:avLst/>
           </a:prstGeom>
         </p:spPr>
       </p:pic>
-      <p:sp>
-        <p:nvSpPr>
-          <p:cNvPr id="3" name="Text 0"/>
-          <p:cNvSpPr/>
-          <p:nvPr/>
-        </p:nvSpPr>
-        <p:spPr>
-          <a:xfrm>
-            <a:off x="837724" y="1378148"/>
-            <a:ext cx="7468553" cy="2816066"/>
+    </p:spTree>
+    <p:extLst>
+      <p:ext uri="{BB962C8B-B14F-4D97-AF65-F5344CB8AC3E}">
+        <p14:creationId xmlns:p14="http://schemas.microsoft.com/office/powerpoint/2010/main" val="1740742888"/>
+      </p:ext>
+    </p:extLst>
+  </p:cSld>
+  <p:clrMapOvr>
+    <a:masterClrMapping/>
+  </p:clrMapOvr>
+</p:sld>
+</file>
+
+<file path=ppt/slides/slide10.xml><?xml version="1.0" encoding="utf-8"?>
+<p:sld xmlns:a="http://schemas.openxmlformats.org/drawingml/2006/main" xmlns:r="http://schemas.openxmlformats.org/officeDocument/2006/relationships" xmlns:p="http://schemas.openxmlformats.org/presentationml/2006/main">
+  <p:cSld name="Slide 9">
+    <p:spTree>
+      <p:nvGrpSpPr>
+        <p:cNvPr id="1" name=""/>
+        <p:cNvGrpSpPr/>
+        <p:nvPr/>
+      </p:nvGrpSpPr>
+      <p:grpSpPr>
+        <a:xfrm>
+          <a:off x="0" y="0"/>
+          <a:ext cx="0" cy="0"/>
+          <a:chOff x="0" y="0"/>
+          <a:chExt cx="0" cy="0"/>
+        </a:xfrm>
+      </p:grpSpPr>
+      <p:sp>
+        <p:nvSpPr>
+          <p:cNvPr id="2" name="Text 0"/>
+          <p:cNvSpPr/>
+          <p:nvPr/>
+        </p:nvSpPr>
+        <p:spPr>
+          <a:xfrm>
+            <a:off x="542687" y="428268"/>
+            <a:ext cx="8514278" cy="456009"/>
           </a:xfrm>
           <a:prstGeom prst="rect">
             <a:avLst/>
@@ -2347,17 +2430,17 @@
           <a:ln/>
         </p:spPr>
         <p:txBody>
-          <a:bodyPr wrap="square" lIns="0" tIns="0" rIns="0" bIns="0" rtlCol="0" anchor="t"/>
-          <a:lstStyle/>
-          <a:p>
-            <a:pPr marL="0" indent="0">
-              <a:lnSpc>
-                <a:spcPts val="5500"/>
-              </a:lnSpc>
-              <a:buNone/>
-            </a:pPr>
-            <a:r>
-              <a:rPr lang="en-US" sz="4400" dirty="0">
+          <a:bodyPr wrap="none" lIns="0" tIns="0" rIns="0" bIns="0" rtlCol="0" anchor="t"/>
+          <a:lstStyle/>
+          <a:p>
+            <a:pPr marL="0" indent="0">
+              <a:lnSpc>
+                <a:spcPts val="3550"/>
+              </a:lnSpc>
+              <a:buNone/>
+            </a:pPr>
+            <a:r>
+              <a:rPr lang="en-US" sz="2850" dirty="0">
                 <a:solidFill>
                   <a:srgbClr val="FFFFFF"/>
                 </a:solidFill>
@@ -2365,22 +2448,66 @@
                 <a:ea typeface="Unbounded" pitchFamily="34" charset="-122"/>
                 <a:cs typeface="Unbounded" pitchFamily="34" charset="-120"/>
               </a:rPr>
-              <a:t>Does True Fairness Exist? Exploring Tournament Schedulers</a:t>
-            </a:r>
-            <a:endParaRPr lang="en-US" sz="4400" dirty="0"/>
-          </a:p>
-        </p:txBody>
-      </p:sp>
-      <p:sp>
-        <p:nvSpPr>
-          <p:cNvPr id="4" name="Text 1"/>
-          <p:cNvSpPr/>
-          <p:nvPr/>
-        </p:nvSpPr>
-        <p:spPr>
-          <a:xfrm>
-            <a:off x="837724" y="4553188"/>
-            <a:ext cx="7468553" cy="2298144"/>
+              <a:t>Code: Visualizing Round Robin Matches</a:t>
+            </a:r>
+            <a:endParaRPr lang="en-US" sz="2850" dirty="0"/>
+          </a:p>
+        </p:txBody>
+      </p:sp>
+      <p:sp>
+        <p:nvSpPr>
+          <p:cNvPr id="3" name="Shape 1"/>
+          <p:cNvSpPr/>
+          <p:nvPr/>
+        </p:nvSpPr>
+        <p:spPr>
+          <a:xfrm>
+            <a:off x="542687" y="1194316"/>
+            <a:ext cx="13545026" cy="6184583"/>
+          </a:xfrm>
+          <a:prstGeom prst="roundRect">
+            <a:avLst>
+              <a:gd name="adj" fmla="val 376"/>
+            </a:avLst>
+          </a:prstGeom>
+          <a:solidFill>
+            <a:srgbClr val="054842"/>
+          </a:solidFill>
+          <a:ln/>
+        </p:spPr>
+      </p:sp>
+      <p:sp>
+        <p:nvSpPr>
+          <p:cNvPr id="4" name="Shape 2"/>
+          <p:cNvSpPr/>
+          <p:nvPr/>
+        </p:nvSpPr>
+        <p:spPr>
+          <a:xfrm>
+            <a:off x="534948" y="1194316"/>
+            <a:ext cx="13560504" cy="6184583"/>
+          </a:xfrm>
+          <a:prstGeom prst="roundRect">
+            <a:avLst>
+              <a:gd name="adj" fmla="val 376"/>
+            </a:avLst>
+          </a:prstGeom>
+          <a:solidFill>
+            <a:srgbClr val="054842"/>
+          </a:solidFill>
+          <a:ln/>
+        </p:spPr>
+      </p:sp>
+      <p:sp>
+        <p:nvSpPr>
+          <p:cNvPr id="5" name="Text 3"/>
+          <p:cNvSpPr/>
+          <p:nvPr/>
+        </p:nvSpPr>
+        <p:spPr>
+          <a:xfrm>
+            <a:off x="689967" y="1310521"/>
+            <a:ext cx="13250466" cy="5952172"/>
           </a:xfrm>
           <a:prstGeom prst="rect">
             <a:avLst/>
@@ -2394,30 +2521,582 @@
           <a:p>
             <a:pPr marL="0" indent="0">
               <a:lnSpc>
-                <a:spcPts val="3000"/>
-              </a:lnSpc>
-              <a:buNone/>
-            </a:pPr>
-            <a:r>
-              <a:rPr lang="en-US" sz="1850" b="0" i="0" dirty="0">
-                <a:solidFill>
-                  <a:schemeClr val="bg1">
-                    <a:lumMod val="75000"/>
-                  </a:schemeClr>
-                </a:solidFill>
-                <a:effectLst/>
-                <a:latin typeface="Cabin" panose="020B0604020202020204" charset="0"/>
-              </a:rPr>
-              <a:t>Today, we’re diving into tournament schedulers—how they work and how they balance fairness and practicality. We’ll explore different tournament formats, the algorithms behind them, and how we can develop solutions that meet both fairness and efficiency in competitive environments.</a:t>
-            </a:r>
-            <a:endParaRPr lang="en-US" sz="1850" dirty="0">
-              <a:solidFill>
-                <a:schemeClr val="bg1">
-                  <a:lumMod val="75000"/>
-                </a:schemeClr>
-              </a:solidFill>
-              <a:latin typeface="Cabin" panose="020B0604020202020204" charset="0"/>
-            </a:endParaRPr>
+                <a:spcPts val="1950"/>
+              </a:lnSpc>
+              <a:buNone/>
+            </a:pPr>
+            <a:r>
+              <a:rPr lang="en-US" sz="1200" dirty="0">
+                <a:solidFill>
+                  <a:srgbClr val="CAD6DE"/>
+                </a:solidFill>
+                <a:highlight>
+                  <a:srgbClr val="054842"/>
+                </a:highlight>
+                <a:latin typeface="Consolas" pitchFamily="34" charset="0"/>
+                <a:ea typeface="Consolas" pitchFamily="34" charset="-122"/>
+                <a:cs typeface="Consolas" pitchFamily="34" charset="-120"/>
+              </a:rPr>
+              <a:t>import matplotlib.pyplot as plt</a:t>
+            </a:r>
+            <a:endParaRPr lang="en-US" sz="1200" dirty="0"/>
+          </a:p>
+          <a:p>
+            <a:pPr marL="0" indent="0">
+              <a:lnSpc>
+                <a:spcPts val="1950"/>
+              </a:lnSpc>
+              <a:buNone/>
+            </a:pPr>
+            <a:r>
+              <a:rPr lang="en-US" sz="1200" dirty="0">
+                <a:solidFill>
+                  <a:srgbClr val="CAD6DE"/>
+                </a:solidFill>
+                <a:highlight>
+                  <a:srgbClr val="054842"/>
+                </a:highlight>
+                <a:latin typeface="Consolas" pitchFamily="34" charset="0"/>
+                <a:ea typeface="Consolas" pitchFamily="34" charset="-122"/>
+                <a:cs typeface="Consolas" pitchFamily="34" charset="-120"/>
+              </a:rPr>
+              <a:t>import math</a:t>
+            </a:r>
+            <a:endParaRPr lang="en-US" sz="1200" dirty="0"/>
+          </a:p>
+          <a:p>
+            <a:pPr marL="0" indent="0">
+              <a:lnSpc>
+                <a:spcPts val="1950"/>
+              </a:lnSpc>
+              <a:buNone/>
+            </a:pPr>
+            <a:endParaRPr lang="en-US" sz="1200" dirty="0"/>
+          </a:p>
+          <a:p>
+            <a:pPr marL="0" indent="0">
+              <a:lnSpc>
+                <a:spcPts val="1950"/>
+              </a:lnSpc>
+              <a:buNone/>
+            </a:pPr>
+            <a:r>
+              <a:rPr lang="en-US" sz="1200" dirty="0">
+                <a:solidFill>
+                  <a:srgbClr val="CAD6DE"/>
+                </a:solidFill>
+                <a:highlight>
+                  <a:srgbClr val="054842"/>
+                </a:highlight>
+                <a:latin typeface="Consolas" pitchFamily="34" charset="0"/>
+                <a:ea typeface="Consolas" pitchFamily="34" charset="-122"/>
+                <a:cs typeface="Consolas" pitchFamily="34" charset="-120"/>
+              </a:rPr>
+              <a:t>def visualize_round_robin(participants, schedule):</a:t>
+            </a:r>
+            <a:endParaRPr lang="en-US" sz="1200" dirty="0"/>
+          </a:p>
+          <a:p>
+            <a:pPr marL="0" indent="0">
+              <a:lnSpc>
+                <a:spcPts val="1950"/>
+              </a:lnSpc>
+              <a:buNone/>
+            </a:pPr>
+            <a:r>
+              <a:rPr lang="en-US" sz="1200" dirty="0">
+                <a:solidFill>
+                  <a:srgbClr val="CAD6DE"/>
+                </a:solidFill>
+                <a:highlight>
+                  <a:srgbClr val="054842"/>
+                </a:highlight>
+                <a:latin typeface="Consolas" pitchFamily="34" charset="0"/>
+                <a:ea typeface="Consolas" pitchFamily="34" charset="-122"/>
+                <a:cs typeface="Consolas" pitchFamily="34" charset="-120"/>
+              </a:rPr>
+              <a:t>    """ Visualizes the round-robin schedule in a circular graph. """</a:t>
+            </a:r>
+            <a:endParaRPr lang="en-US" sz="1200" dirty="0"/>
+          </a:p>
+          <a:p>
+            <a:pPr marL="0" indent="0">
+              <a:lnSpc>
+                <a:spcPts val="1950"/>
+              </a:lnSpc>
+              <a:buNone/>
+            </a:pPr>
+            <a:r>
+              <a:rPr lang="en-US" sz="1200" dirty="0">
+                <a:solidFill>
+                  <a:srgbClr val="CAD6DE"/>
+                </a:solidFill>
+                <a:highlight>
+                  <a:srgbClr val="054842"/>
+                </a:highlight>
+                <a:latin typeface="Consolas" pitchFamily="34" charset="0"/>
+                <a:ea typeface="Consolas" pitchFamily="34" charset="-122"/>
+                <a:cs typeface="Consolas" pitchFamily="34" charset="-120"/>
+              </a:rPr>
+              <a:t>    num_participants = len(participants)</a:t>
+            </a:r>
+            <a:endParaRPr lang="en-US" sz="1200" dirty="0"/>
+          </a:p>
+          <a:p>
+            <a:pPr marL="0" indent="0">
+              <a:lnSpc>
+                <a:spcPts val="1950"/>
+              </a:lnSpc>
+              <a:buNone/>
+            </a:pPr>
+            <a:r>
+              <a:rPr lang="en-US" sz="1200" dirty="0">
+                <a:solidFill>
+                  <a:srgbClr val="CAD6DE"/>
+                </a:solidFill>
+                <a:highlight>
+                  <a:srgbClr val="054842"/>
+                </a:highlight>
+                <a:latin typeface="Consolas" pitchFamily="34" charset="0"/>
+                <a:ea typeface="Consolas" pitchFamily="34" charset="-122"/>
+                <a:cs typeface="Consolas" pitchFamily="34" charset="-120"/>
+              </a:rPr>
+              <a:t>    angle_step = 2 * math.pi / num_participants</a:t>
+            </a:r>
+            <a:endParaRPr lang="en-US" sz="1200" dirty="0"/>
+          </a:p>
+          <a:p>
+            <a:pPr marL="0" indent="0">
+              <a:lnSpc>
+                <a:spcPts val="1950"/>
+              </a:lnSpc>
+              <a:buNone/>
+            </a:pPr>
+            <a:r>
+              <a:rPr lang="en-US" sz="1200" dirty="0">
+                <a:solidFill>
+                  <a:srgbClr val="CAD6DE"/>
+                </a:solidFill>
+                <a:highlight>
+                  <a:srgbClr val="054842"/>
+                </a:highlight>
+                <a:latin typeface="Consolas" pitchFamily="34" charset="0"/>
+                <a:ea typeface="Consolas" pitchFamily="34" charset="-122"/>
+                <a:cs typeface="Consolas" pitchFamily="34" charset="-120"/>
+              </a:rPr>
+              <a:t>    positions = [(math.cos(i * angle_step), math.sin(i * angle_step)) for i in range(num_participants)]</a:t>
+            </a:r>
+            <a:endParaRPr lang="en-US" sz="1200" dirty="0"/>
+          </a:p>
+          <a:p>
+            <a:pPr marL="0" indent="0">
+              <a:lnSpc>
+                <a:spcPts val="1950"/>
+              </a:lnSpc>
+              <a:buNone/>
+            </a:pPr>
+            <a:r>
+              <a:rPr lang="en-US" sz="1200" dirty="0">
+                <a:solidFill>
+                  <a:srgbClr val="CAD6DE"/>
+                </a:solidFill>
+                <a:highlight>
+                  <a:srgbClr val="054842"/>
+                </a:highlight>
+                <a:latin typeface="Consolas" pitchFamily="34" charset="0"/>
+                <a:ea typeface="Consolas" pitchFamily="34" charset="-122"/>
+                <a:cs typeface="Consolas" pitchFamily="34" charset="-120"/>
+              </a:rPr>
+              <a:t>    pos_map = {participants[i]: positions[i] for i in range(num_participants)}</a:t>
+            </a:r>
+            <a:endParaRPr lang="en-US" sz="1200" dirty="0"/>
+          </a:p>
+          <a:p>
+            <a:pPr marL="0" indent="0">
+              <a:lnSpc>
+                <a:spcPts val="1950"/>
+              </a:lnSpc>
+              <a:buNone/>
+            </a:pPr>
+            <a:r>
+              <a:rPr lang="en-US" sz="1200" dirty="0">
+                <a:solidFill>
+                  <a:srgbClr val="CAD6DE"/>
+                </a:solidFill>
+                <a:highlight>
+                  <a:srgbClr val="054842"/>
+                </a:highlight>
+                <a:latin typeface="Consolas" pitchFamily="34" charset="0"/>
+                <a:ea typeface="Consolas" pitchFamily="34" charset="-122"/>
+                <a:cs typeface="Consolas" pitchFamily="34" charset="-120"/>
+              </a:rPr>
+              <a:t>    plt.figure(figsize=(8, 8))</a:t>
+            </a:r>
+            <a:endParaRPr lang="en-US" sz="1200" dirty="0"/>
+          </a:p>
+          <a:p>
+            <a:pPr marL="0" indent="0">
+              <a:lnSpc>
+                <a:spcPts val="1950"/>
+              </a:lnSpc>
+              <a:buNone/>
+            </a:pPr>
+            <a:r>
+              <a:rPr lang="en-US" sz="1200" dirty="0">
+                <a:solidFill>
+                  <a:srgbClr val="CAD6DE"/>
+                </a:solidFill>
+                <a:highlight>
+                  <a:srgbClr val="054842"/>
+                </a:highlight>
+                <a:latin typeface="Consolas" pitchFamily="34" charset="0"/>
+                <a:ea typeface="Consolas" pitchFamily="34" charset="-122"/>
+                <a:cs typeface="Consolas" pitchFamily="34" charset="-120"/>
+              </a:rPr>
+              <a:t>    plt.axis("off")</a:t>
+            </a:r>
+            <a:endParaRPr lang="en-US" sz="1200" dirty="0"/>
+          </a:p>
+          <a:p>
+            <a:pPr marL="0" indent="0">
+              <a:lnSpc>
+                <a:spcPts val="1950"/>
+              </a:lnSpc>
+              <a:buNone/>
+            </a:pPr>
+            <a:r>
+              <a:rPr lang="en-US" sz="1200" dirty="0">
+                <a:solidFill>
+                  <a:srgbClr val="CAD6DE"/>
+                </a:solidFill>
+                <a:highlight>
+                  <a:srgbClr val="054842"/>
+                </a:highlight>
+                <a:latin typeface="Consolas" pitchFamily="34" charset="0"/>
+                <a:ea typeface="Consolas" pitchFamily="34" charset="-122"/>
+                <a:cs typeface="Consolas" pitchFamily="34" charset="-120"/>
+              </a:rPr>
+              <a:t>    # Plot nodes for participant</a:t>
+            </a:r>
+            <a:endParaRPr lang="en-US" sz="1200" dirty="0"/>
+          </a:p>
+          <a:p>
+            <a:pPr marL="0" indent="0">
+              <a:lnSpc>
+                <a:spcPts val="1950"/>
+              </a:lnSpc>
+              <a:buNone/>
+            </a:pPr>
+            <a:r>
+              <a:rPr lang="en-US" sz="1200" dirty="0">
+                <a:solidFill>
+                  <a:srgbClr val="CAD6DE"/>
+                </a:solidFill>
+                <a:highlight>
+                  <a:srgbClr val="054842"/>
+                </a:highlight>
+                <a:latin typeface="Consolas" pitchFamily="34" charset="0"/>
+                <a:ea typeface="Consolas" pitchFamily="34" charset="-122"/>
+                <a:cs typeface="Consolas" pitchFamily="34" charset="-120"/>
+              </a:rPr>
+              <a:t>    for participant, (x, y) in pos_map.items():</a:t>
+            </a:r>
+            <a:endParaRPr lang="en-US" sz="1200" dirty="0"/>
+          </a:p>
+          <a:p>
+            <a:pPr marL="0" indent="0">
+              <a:lnSpc>
+                <a:spcPts val="1950"/>
+              </a:lnSpc>
+              <a:buNone/>
+            </a:pPr>
+            <a:r>
+              <a:rPr lang="en-US" sz="1200" dirty="0">
+                <a:solidFill>
+                  <a:srgbClr val="CAD6DE"/>
+                </a:solidFill>
+                <a:highlight>
+                  <a:srgbClr val="054842"/>
+                </a:highlight>
+                <a:latin typeface="Consolas" pitchFamily="34" charset="0"/>
+                <a:ea typeface="Consolas" pitchFamily="34" charset="-122"/>
+                <a:cs typeface="Consolas" pitchFamily="34" charset="-120"/>
+              </a:rPr>
+              <a:t>        plt.scatter(x, y, s=500, color="lightblue", zorder=2)</a:t>
+            </a:r>
+            <a:endParaRPr lang="en-US" sz="1200" dirty="0"/>
+          </a:p>
+          <a:p>
+            <a:pPr marL="0" indent="0">
+              <a:lnSpc>
+                <a:spcPts val="1950"/>
+              </a:lnSpc>
+              <a:buNone/>
+            </a:pPr>
+            <a:r>
+              <a:rPr lang="en-US" sz="1200" dirty="0">
+                <a:solidFill>
+                  <a:srgbClr val="CAD6DE"/>
+                </a:solidFill>
+                <a:highlight>
+                  <a:srgbClr val="054842"/>
+                </a:highlight>
+                <a:latin typeface="Consolas" pitchFamily="34" charset="0"/>
+                <a:ea typeface="Consolas" pitchFamily="34" charset="-122"/>
+                <a:cs typeface="Consolas" pitchFamily="34" charset="-120"/>
+              </a:rPr>
+              <a:t>        plt.text(x, y, participant, ha="center", va="center", fontsize=10, fontweight="bold")</a:t>
+            </a:r>
+            <a:endParaRPr lang="en-US" sz="1200" dirty="0"/>
+          </a:p>
+          <a:p>
+            <a:pPr marL="0" indent="0">
+              <a:lnSpc>
+                <a:spcPts val="1950"/>
+              </a:lnSpc>
+              <a:buNone/>
+            </a:pPr>
+            <a:r>
+              <a:rPr lang="en-US" sz="1200" dirty="0">
+                <a:solidFill>
+                  <a:srgbClr val="CAD6DE"/>
+                </a:solidFill>
+                <a:highlight>
+                  <a:srgbClr val="054842"/>
+                </a:highlight>
+                <a:latin typeface="Consolas" pitchFamily="34" charset="0"/>
+                <a:ea typeface="Consolas" pitchFamily="34" charset="-122"/>
+                <a:cs typeface="Consolas" pitchFamily="34" charset="-120"/>
+              </a:rPr>
+              <a:t>    # Plot edges</a:t>
+            </a:r>
+            <a:endParaRPr lang="en-US" sz="1200" dirty="0"/>
+          </a:p>
+          <a:p>
+            <a:pPr marL="0" indent="0">
+              <a:lnSpc>
+                <a:spcPts val="1950"/>
+              </a:lnSpc>
+              <a:buNone/>
+            </a:pPr>
+            <a:r>
+              <a:rPr lang="en-US" sz="1200" dirty="0">
+                <a:solidFill>
+                  <a:srgbClr val="CAD6DE"/>
+                </a:solidFill>
+                <a:highlight>
+                  <a:srgbClr val="054842"/>
+                </a:highlight>
+                <a:latin typeface="Consolas" pitchFamily="34" charset="0"/>
+                <a:ea typeface="Consolas" pitchFamily="34" charset="-122"/>
+                <a:cs typeface="Consolas" pitchFamily="34" charset="-120"/>
+              </a:rPr>
+              <a:t>    for round_matches in schedule:</a:t>
+            </a:r>
+            <a:endParaRPr lang="en-US" sz="1200" dirty="0"/>
+          </a:p>
+          <a:p>
+            <a:pPr marL="0" indent="0">
+              <a:lnSpc>
+                <a:spcPts val="1950"/>
+              </a:lnSpc>
+              <a:buNone/>
+            </a:pPr>
+            <a:r>
+              <a:rPr lang="en-US" sz="1200" dirty="0">
+                <a:solidFill>
+                  <a:srgbClr val="CAD6DE"/>
+                </a:solidFill>
+                <a:highlight>
+                  <a:srgbClr val="054842"/>
+                </a:highlight>
+                <a:latin typeface="Consolas" pitchFamily="34" charset="0"/>
+                <a:ea typeface="Consolas" pitchFamily="34" charset="-122"/>
+                <a:cs typeface="Consolas" pitchFamily="34" charset="-120"/>
+              </a:rPr>
+              <a:t>        for match in round_matches:</a:t>
+            </a:r>
+            <a:endParaRPr lang="en-US" sz="1200" dirty="0"/>
+          </a:p>
+          <a:p>
+            <a:pPr marL="0" indent="0">
+              <a:lnSpc>
+                <a:spcPts val="1950"/>
+              </a:lnSpc>
+              <a:buNone/>
+            </a:pPr>
+            <a:r>
+              <a:rPr lang="en-US" sz="1200" dirty="0">
+                <a:solidFill>
+                  <a:srgbClr val="CAD6DE"/>
+                </a:solidFill>
+                <a:highlight>
+                  <a:srgbClr val="054842"/>
+                </a:highlight>
+                <a:latin typeface="Consolas" pitchFamily="34" charset="0"/>
+                <a:ea typeface="Consolas" pitchFamily="34" charset="-122"/>
+                <a:cs typeface="Consolas" pitchFamily="34" charset="-120"/>
+              </a:rPr>
+              <a:t>            if "Bye" not in match:</a:t>
+            </a:r>
+            <a:endParaRPr lang="en-US" sz="1200" dirty="0"/>
+          </a:p>
+          <a:p>
+            <a:pPr marL="0" indent="0">
+              <a:lnSpc>
+                <a:spcPts val="1950"/>
+              </a:lnSpc>
+              <a:buNone/>
+            </a:pPr>
+            <a:r>
+              <a:rPr lang="en-US" sz="1200" dirty="0">
+                <a:solidFill>
+                  <a:srgbClr val="CAD6DE"/>
+                </a:solidFill>
+                <a:highlight>
+                  <a:srgbClr val="054842"/>
+                </a:highlight>
+                <a:latin typeface="Consolas" pitchFamily="34" charset="0"/>
+                <a:ea typeface="Consolas" pitchFamily="34" charset="-122"/>
+                <a:cs typeface="Consolas" pitchFamily="34" charset="-120"/>
+              </a:rPr>
+              <a:t>                x1, y1 = pos_map[match[0]]</a:t>
+            </a:r>
+            <a:endParaRPr lang="en-US" sz="1200" dirty="0"/>
+          </a:p>
+          <a:p>
+            <a:pPr marL="0" indent="0">
+              <a:lnSpc>
+                <a:spcPts val="1950"/>
+              </a:lnSpc>
+              <a:buNone/>
+            </a:pPr>
+            <a:r>
+              <a:rPr lang="en-US" sz="1200" dirty="0">
+                <a:solidFill>
+                  <a:srgbClr val="CAD6DE"/>
+                </a:solidFill>
+                <a:highlight>
+                  <a:srgbClr val="054842"/>
+                </a:highlight>
+                <a:latin typeface="Consolas" pitchFamily="34" charset="0"/>
+                <a:ea typeface="Consolas" pitchFamily="34" charset="-122"/>
+                <a:cs typeface="Consolas" pitchFamily="34" charset="-120"/>
+              </a:rPr>
+              <a:t>                x2, y2 = pos_map[match[1]]</a:t>
+            </a:r>
+            <a:endParaRPr lang="en-US" sz="1200" dirty="0"/>
+          </a:p>
+          <a:p>
+            <a:pPr marL="0" indent="0">
+              <a:lnSpc>
+                <a:spcPts val="1950"/>
+              </a:lnSpc>
+              <a:buNone/>
+            </a:pPr>
+            <a:r>
+              <a:rPr lang="en-US" sz="1200" dirty="0">
+                <a:solidFill>
+                  <a:srgbClr val="CAD6DE"/>
+                </a:solidFill>
+                <a:highlight>
+                  <a:srgbClr val="054842"/>
+                </a:highlight>
+                <a:latin typeface="Consolas" pitchFamily="34" charset="0"/>
+                <a:ea typeface="Consolas" pitchFamily="34" charset="-122"/>
+                <a:cs typeface="Consolas" pitchFamily="34" charset="-120"/>
+              </a:rPr>
+              <a:t>                plt.plot([x1, x2], [y1, y2], color="gray", linestyle="--", zorder=1)</a:t>
+            </a:r>
+            <a:endParaRPr lang="en-US" sz="1200" dirty="0"/>
+          </a:p>
+          <a:p>
+            <a:pPr marL="0" indent="0">
+              <a:lnSpc>
+                <a:spcPts val="1950"/>
+              </a:lnSpc>
+              <a:buNone/>
+            </a:pPr>
+            <a:r>
+              <a:rPr lang="en-US" sz="1200" dirty="0">
+                <a:solidFill>
+                  <a:srgbClr val="CAD6DE"/>
+                </a:solidFill>
+                <a:highlight>
+                  <a:srgbClr val="054842"/>
+                </a:highlight>
+                <a:latin typeface="Consolas" pitchFamily="34" charset="0"/>
+                <a:ea typeface="Consolas" pitchFamily="34" charset="-122"/>
+                <a:cs typeface="Consolas" pitchFamily="34" charset="-120"/>
+              </a:rPr>
+              <a:t>    plt.title("Round Robin Match Visualization", fontsize=16)</a:t>
+            </a:r>
+            <a:endParaRPr lang="en-US" sz="1200" dirty="0"/>
+          </a:p>
+          <a:p>
+            <a:pPr marL="0" indent="0">
+              <a:lnSpc>
+                <a:spcPts val="1950"/>
+              </a:lnSpc>
+              <a:buNone/>
+            </a:pPr>
+            <a:r>
+              <a:rPr lang="en-US" sz="1200" dirty="0">
+                <a:solidFill>
+                  <a:srgbClr val="CAD6DE"/>
+                </a:solidFill>
+                <a:highlight>
+                  <a:srgbClr val="054842"/>
+                </a:highlight>
+                <a:latin typeface="Consolas" pitchFamily="34" charset="0"/>
+                <a:ea typeface="Consolas" pitchFamily="34" charset="-122"/>
+                <a:cs typeface="Consolas" pitchFamily="34" charset="-120"/>
+              </a:rPr>
+              <a:t>    plt.show()</a:t>
+            </a:r>
+            <a:endParaRPr lang="en-US" sz="1200" dirty="0"/>
+          </a:p>
+        </p:txBody>
+      </p:sp>
+      <p:sp>
+        <p:nvSpPr>
+          <p:cNvPr id="6" name="Text 4"/>
+          <p:cNvSpPr/>
+          <p:nvPr/>
+        </p:nvSpPr>
+        <p:spPr>
+          <a:xfrm>
+            <a:off x="542687" y="7553325"/>
+            <a:ext cx="13545026" cy="248007"/>
+          </a:xfrm>
+          <a:prstGeom prst="rect">
+            <a:avLst/>
+          </a:prstGeom>
+          <a:noFill/>
+          <a:ln/>
+        </p:spPr>
+        <p:txBody>
+          <a:bodyPr wrap="none" lIns="0" tIns="0" rIns="0" bIns="0" rtlCol="0" anchor="t"/>
+          <a:lstStyle/>
+          <a:p>
+            <a:pPr marL="0" indent="0">
+              <a:lnSpc>
+                <a:spcPts val="1950"/>
+              </a:lnSpc>
+              <a:buNone/>
+            </a:pPr>
+            <a:r>
+              <a:rPr lang="en-US" sz="1200" dirty="0">
+                <a:solidFill>
+                  <a:srgbClr val="CAD6DE"/>
+                </a:solidFill>
+                <a:latin typeface="Cabin" pitchFamily="34" charset="0"/>
+                <a:ea typeface="Cabin" pitchFamily="34" charset="-122"/>
+                <a:cs typeface="Cabin" pitchFamily="34" charset="-120"/>
+              </a:rPr>
+              <a:t>Creates a circular graph representing players and their matches. Matches visualized as edges; players as nodes. Demonstrates combinatorics and graph theory concepts.</a:t>
+            </a:r>
+            <a:endParaRPr lang="en-US" sz="1200" dirty="0"/>
           </a:p>
         </p:txBody>
       </p:sp>
@@ -2429,7 +3108,7 @@
 </p:sld>
 </file>
 
-<file path=ppt/slides/slide10.xml><?xml version="1.0" encoding="utf-8"?>
+<file path=ppt/slides/slide11.xml><?xml version="1.0" encoding="utf-8"?>
 <p:sld xmlns:a="http://schemas.openxmlformats.org/drawingml/2006/main" xmlns:r="http://schemas.openxmlformats.org/officeDocument/2006/relationships" xmlns:p="http://schemas.openxmlformats.org/presentationml/2006/main">
   <p:cSld name="Slide 10">
     <p:spTree>
@@ -2805,607 +3484,6 @@
         </p:txBody>
       </p:sp>
     </p:spTree>
-  </p:cSld>
-  <p:clrMapOvr>
-    <a:masterClrMapping/>
-  </p:clrMapOvr>
-</p:sld>
-</file>
-
-<file path=ppt/slides/slide11.xml><?xml version="1.0" encoding="utf-8"?>
-<p:sld xmlns:a="http://schemas.openxmlformats.org/drawingml/2006/main" xmlns:r="http://schemas.openxmlformats.org/officeDocument/2006/relationships" xmlns:p="http://schemas.openxmlformats.org/presentationml/2006/main">
-  <p:cSld>
-    <p:spTree>
-      <p:nvGrpSpPr>
-        <p:cNvPr id="1" name=""/>
-        <p:cNvGrpSpPr/>
-        <p:nvPr/>
-      </p:nvGrpSpPr>
-      <p:grpSpPr>
-        <a:xfrm>
-          <a:off x="0" y="0"/>
-          <a:ext cx="0" cy="0"/>
-          <a:chOff x="0" y="0"/>
-          <a:chExt cx="0" cy="0"/>
-        </a:xfrm>
-      </p:grpSpPr>
-      <p:sp>
-        <p:nvSpPr>
-          <p:cNvPr id="2" name="Text 0"/>
-          <p:cNvSpPr/>
-          <p:nvPr/>
-        </p:nvSpPr>
-        <p:spPr>
-          <a:xfrm>
-            <a:off x="779264" y="790456"/>
-            <a:ext cx="10685026" cy="654963"/>
-          </a:xfrm>
-          <a:prstGeom prst="rect">
-            <a:avLst/>
-          </a:prstGeom>
-          <a:noFill/>
-          <a:ln/>
-        </p:spPr>
-        <p:txBody>
-          <a:bodyPr wrap="none" lIns="0" tIns="0" rIns="0" bIns="0" rtlCol="0" anchor="t"/>
-          <a:lstStyle/>
-          <a:p>
-            <a:pPr marL="0" indent="0">
-              <a:lnSpc>
-                <a:spcPts val="5150"/>
-              </a:lnSpc>
-              <a:buNone/>
-            </a:pPr>
-            <a:r>
-              <a:rPr lang="en-US" sz="4100" dirty="0">
-                <a:solidFill>
-                  <a:srgbClr val="FFFFFF"/>
-                </a:solidFill>
-                <a:latin typeface="Unbounded" pitchFamily="34" charset="0"/>
-                <a:ea typeface="Unbounded" pitchFamily="34" charset="-122"/>
-                <a:cs typeface="Unbounded" pitchFamily="34" charset="-120"/>
-              </a:rPr>
-              <a:t>Code: Single Elimination Scheduler</a:t>
-            </a:r>
-            <a:endParaRPr lang="en-US" sz="4100" dirty="0"/>
-          </a:p>
-        </p:txBody>
-      </p:sp>
-      <p:sp>
-        <p:nvSpPr>
-          <p:cNvPr id="3" name="Text 1"/>
-          <p:cNvSpPr/>
-          <p:nvPr/>
-        </p:nvSpPr>
-        <p:spPr>
-          <a:xfrm>
-            <a:off x="779264" y="2002036"/>
-            <a:ext cx="2619732" cy="327422"/>
-          </a:xfrm>
-          <a:prstGeom prst="rect">
-            <a:avLst/>
-          </a:prstGeom>
-          <a:noFill/>
-          <a:ln/>
-        </p:spPr>
-        <p:txBody>
-          <a:bodyPr wrap="none" lIns="0" tIns="0" rIns="0" bIns="0" rtlCol="0" anchor="t"/>
-          <a:lstStyle/>
-          <a:p>
-            <a:pPr marL="0" indent="0">
-              <a:lnSpc>
-                <a:spcPts val="2550"/>
-              </a:lnSpc>
-              <a:buNone/>
-            </a:pPr>
-            <a:r>
-              <a:rPr lang="en-US" sz="2050" dirty="0">
-                <a:solidFill>
-                  <a:srgbClr val="FFFFFF"/>
-                </a:solidFill>
-                <a:latin typeface="Unbounded" pitchFamily="34" charset="0"/>
-                <a:ea typeface="Unbounded" pitchFamily="34" charset="-122"/>
-                <a:cs typeface="Unbounded" pitchFamily="34" charset="-120"/>
-              </a:rPr>
-              <a:t>Code Snippet:</a:t>
-            </a:r>
-            <a:endParaRPr lang="en-US" sz="2050" dirty="0"/>
-          </a:p>
-        </p:txBody>
-      </p:sp>
-      <p:sp>
-        <p:nvSpPr>
-          <p:cNvPr id="4" name="Shape 2"/>
-          <p:cNvSpPr/>
-          <p:nvPr/>
-        </p:nvSpPr>
-        <p:spPr>
-          <a:xfrm>
-            <a:off x="779264" y="2579965"/>
-            <a:ext cx="6264354" cy="4608671"/>
-          </a:xfrm>
-          <a:prstGeom prst="roundRect">
-            <a:avLst>
-              <a:gd name="adj" fmla="val 725"/>
-            </a:avLst>
-          </a:prstGeom>
-          <a:solidFill>
-            <a:srgbClr val="054842"/>
-          </a:solidFill>
-          <a:ln/>
-        </p:spPr>
-      </p:sp>
-      <p:sp>
-        <p:nvSpPr>
-          <p:cNvPr id="5" name="Shape 3"/>
-          <p:cNvSpPr/>
-          <p:nvPr/>
-        </p:nvSpPr>
-        <p:spPr>
-          <a:xfrm>
-            <a:off x="768191" y="2579965"/>
-            <a:ext cx="6286500" cy="4608671"/>
-          </a:xfrm>
-          <a:prstGeom prst="roundRect">
-            <a:avLst>
-              <a:gd name="adj" fmla="val 725"/>
-            </a:avLst>
-          </a:prstGeom>
-          <a:solidFill>
-            <a:srgbClr val="054842"/>
-          </a:solidFill>
-          <a:ln/>
-        </p:spPr>
-      </p:sp>
-      <p:sp>
-        <p:nvSpPr>
-          <p:cNvPr id="6" name="Text 4"/>
-          <p:cNvSpPr/>
-          <p:nvPr/>
-        </p:nvSpPr>
-        <p:spPr>
-          <a:xfrm>
-            <a:off x="990838" y="2746891"/>
-            <a:ext cx="5841206" cy="4274820"/>
-          </a:xfrm>
-          <a:prstGeom prst="rect">
-            <a:avLst/>
-          </a:prstGeom>
-          <a:noFill/>
-          <a:ln/>
-        </p:spPr>
-        <p:txBody>
-          <a:bodyPr wrap="square" lIns="0" tIns="0" rIns="0" bIns="0" rtlCol="0" anchor="t"/>
-          <a:lstStyle/>
-          <a:p>
-            <a:pPr marL="0" indent="0">
-              <a:lnSpc>
-                <a:spcPts val="2800"/>
-              </a:lnSpc>
-              <a:buNone/>
-            </a:pPr>
-            <a:r>
-              <a:rPr lang="en-US" sz="1750" dirty="0">
-                <a:solidFill>
-                  <a:srgbClr val="CAD6DE"/>
-                </a:solidFill>
-                <a:highlight>
-                  <a:srgbClr val="054842"/>
-                </a:highlight>
-                <a:latin typeface="Consolas" pitchFamily="34" charset="0"/>
-                <a:ea typeface="Consolas" pitchFamily="34" charset="-122"/>
-                <a:cs typeface="Consolas" pitchFamily="34" charset="-120"/>
-              </a:rPr>
-              <a:t>def single_elimination_schedule(participants):</a:t>
-            </a:r>
-            <a:endParaRPr lang="en-US" sz="1750" dirty="0"/>
-          </a:p>
-          <a:p>
-            <a:pPr marL="0" indent="0">
-              <a:lnSpc>
-                <a:spcPts val="2800"/>
-              </a:lnSpc>
-              <a:buNone/>
-            </a:pPr>
-            <a:r>
-              <a:rPr lang="en-US" sz="1750" dirty="0">
-                <a:solidFill>
-                  <a:srgbClr val="CAD6DE"/>
-                </a:solidFill>
-                <a:highlight>
-                  <a:srgbClr val="054842"/>
-                </a:highlight>
-                <a:latin typeface="Consolas" pitchFamily="34" charset="0"/>
-                <a:ea typeface="Consolas" pitchFamily="34" charset="-122"/>
-                <a:cs typeface="Consolas" pitchFamily="34" charset="-120"/>
-              </a:rPr>
-              <a:t>  """ Creates a Single Elimination schedule. """</a:t>
-            </a:r>
-            <a:endParaRPr lang="en-US" sz="1750" dirty="0"/>
-          </a:p>
-          <a:p>
-            <a:pPr marL="0" indent="0">
-              <a:lnSpc>
-                <a:spcPts val="2800"/>
-              </a:lnSpc>
-              <a:buNone/>
-            </a:pPr>
-            <a:r>
-              <a:rPr lang="en-US" sz="1750" dirty="0">
-                <a:solidFill>
-                  <a:srgbClr val="CAD6DE"/>
-                </a:solidFill>
-                <a:highlight>
-                  <a:srgbClr val="054842"/>
-                </a:highlight>
-                <a:latin typeface="Consolas" pitchFamily="34" charset="0"/>
-                <a:ea typeface="Consolas" pitchFamily="34" charset="-122"/>
-                <a:cs typeface="Consolas" pitchFamily="34" charset="-120"/>
-              </a:rPr>
-              <a:t>  schedule = []</a:t>
-            </a:r>
-            <a:endParaRPr lang="en-US" sz="1750" dirty="0"/>
-          </a:p>
-          <a:p>
-            <a:pPr marL="0" indent="0">
-              <a:lnSpc>
-                <a:spcPts val="2800"/>
-              </a:lnSpc>
-              <a:buNone/>
-            </a:pPr>
-            <a:r>
-              <a:rPr lang="en-US" sz="1750" dirty="0">
-                <a:solidFill>
-                  <a:srgbClr val="CAD6DE"/>
-                </a:solidFill>
-                <a:highlight>
-                  <a:srgbClr val="054842"/>
-                </a:highlight>
-                <a:latin typeface="Consolas" pitchFamily="34" charset="0"/>
-                <a:ea typeface="Consolas" pitchFamily="34" charset="-122"/>
-                <a:cs typeface="Consolas" pitchFamily="34" charset="-120"/>
-              </a:rPr>
-              <a:t>  while len(participants) &gt; 1:</a:t>
-            </a:r>
-            <a:endParaRPr lang="en-US" sz="1750" dirty="0"/>
-          </a:p>
-          <a:p>
-            <a:pPr marL="0" indent="0">
-              <a:lnSpc>
-                <a:spcPts val="2800"/>
-              </a:lnSpc>
-              <a:buNone/>
-            </a:pPr>
-            <a:r>
-              <a:rPr lang="en-US" sz="1750" dirty="0">
-                <a:solidFill>
-                  <a:srgbClr val="CAD6DE"/>
-                </a:solidFill>
-                <a:highlight>
-                  <a:srgbClr val="054842"/>
-                </a:highlight>
-                <a:latin typeface="Consolas" pitchFamily="34" charset="0"/>
-                <a:ea typeface="Consolas" pitchFamily="34" charset="-122"/>
-                <a:cs typeface="Consolas" pitchFamily="34" charset="-120"/>
-              </a:rPr>
-              <a:t>    round_matches = []</a:t>
-            </a:r>
-            <a:endParaRPr lang="en-US" sz="1750" dirty="0"/>
-          </a:p>
-          <a:p>
-            <a:pPr marL="0" indent="0">
-              <a:lnSpc>
-                <a:spcPts val="2800"/>
-              </a:lnSpc>
-              <a:buNone/>
-            </a:pPr>
-            <a:r>
-              <a:rPr lang="en-US" sz="1750" dirty="0">
-                <a:solidFill>
-                  <a:srgbClr val="CAD6DE"/>
-                </a:solidFill>
-                <a:highlight>
-                  <a:srgbClr val="054842"/>
-                </a:highlight>
-                <a:latin typeface="Consolas" pitchFamily="34" charset="0"/>
-                <a:ea typeface="Consolas" pitchFamily="34" charset="-122"/>
-                <a:cs typeface="Consolas" pitchFamily="34" charset="-120"/>
-              </a:rPr>
-              <a:t>    for i in range(0, len(participants), 2):</a:t>
-            </a:r>
-            <a:endParaRPr lang="en-US" sz="1750" dirty="0"/>
-          </a:p>
-          <a:p>
-            <a:pPr marL="0" indent="0">
-              <a:lnSpc>
-                <a:spcPts val="2800"/>
-              </a:lnSpc>
-              <a:buNone/>
-            </a:pPr>
-            <a:r>
-              <a:rPr lang="en-US" sz="1750" dirty="0">
-                <a:solidFill>
-                  <a:srgbClr val="CAD6DE"/>
-                </a:solidFill>
-                <a:highlight>
-                  <a:srgbClr val="054842"/>
-                </a:highlight>
-                <a:latin typeface="Consolas" pitchFamily="34" charset="0"/>
-                <a:ea typeface="Consolas" pitchFamily="34" charset="-122"/>
-                <a:cs typeface="Consolas" pitchFamily="34" charset="-120"/>
-              </a:rPr>
-              <a:t>      round_matches.append((participants[i], participants[i + 1]))</a:t>
-            </a:r>
-            <a:endParaRPr lang="en-US" sz="1750" dirty="0"/>
-          </a:p>
-          <a:p>
-            <a:pPr marL="0" indent="0">
-              <a:lnSpc>
-                <a:spcPts val="2800"/>
-              </a:lnSpc>
-              <a:buNone/>
-            </a:pPr>
-            <a:r>
-              <a:rPr lang="en-US" sz="1750" dirty="0">
-                <a:solidFill>
-                  <a:srgbClr val="CAD6DE"/>
-                </a:solidFill>
-                <a:highlight>
-                  <a:srgbClr val="054842"/>
-                </a:highlight>
-                <a:latin typeface="Consolas" pitchFamily="34" charset="0"/>
-                <a:ea typeface="Consolas" pitchFamily="34" charset="-122"/>
-                <a:cs typeface="Consolas" pitchFamily="34" charset="-120"/>
-              </a:rPr>
-              <a:t>    participants = [winner for winner, _ in round_matches]</a:t>
-            </a:r>
-            <a:endParaRPr lang="en-US" sz="1750" dirty="0"/>
-          </a:p>
-          <a:p>
-            <a:pPr marL="0" indent="0">
-              <a:lnSpc>
-                <a:spcPts val="2800"/>
-              </a:lnSpc>
-              <a:buNone/>
-            </a:pPr>
-            <a:r>
-              <a:rPr lang="en-US" sz="1750" dirty="0">
-                <a:solidFill>
-                  <a:srgbClr val="CAD6DE"/>
-                </a:solidFill>
-                <a:highlight>
-                  <a:srgbClr val="054842"/>
-                </a:highlight>
-                <a:latin typeface="Consolas" pitchFamily="34" charset="0"/>
-                <a:ea typeface="Consolas" pitchFamily="34" charset="-122"/>
-                <a:cs typeface="Consolas" pitchFamily="34" charset="-120"/>
-              </a:rPr>
-              <a:t>    # Placeholder winners schedule.</a:t>
-            </a:r>
-            <a:endParaRPr lang="en-US" sz="1750" dirty="0"/>
-          </a:p>
-          <a:p>
-            <a:pPr marL="0" indent="0">
-              <a:lnSpc>
-                <a:spcPts val="2800"/>
-              </a:lnSpc>
-              <a:buNone/>
-            </a:pPr>
-            <a:r>
-              <a:rPr lang="en-US" sz="1750" dirty="0">
-                <a:solidFill>
-                  <a:srgbClr val="CAD6DE"/>
-                </a:solidFill>
-                <a:highlight>
-                  <a:srgbClr val="054842"/>
-                </a:highlight>
-                <a:latin typeface="Consolas" pitchFamily="34" charset="0"/>
-                <a:ea typeface="Consolas" pitchFamily="34" charset="-122"/>
-                <a:cs typeface="Consolas" pitchFamily="34" charset="-120"/>
-              </a:rPr>
-              <a:t>    schedule.append(round_matches)</a:t>
-            </a:r>
-            <a:endParaRPr lang="en-US" sz="1750" dirty="0"/>
-          </a:p>
-          <a:p>
-            <a:pPr marL="0" indent="0">
-              <a:lnSpc>
-                <a:spcPts val="2800"/>
-              </a:lnSpc>
-              <a:buNone/>
-            </a:pPr>
-            <a:r>
-              <a:rPr lang="en-US" sz="1750" dirty="0">
-                <a:solidFill>
-                  <a:srgbClr val="CAD6DE"/>
-                </a:solidFill>
-                <a:highlight>
-                  <a:srgbClr val="054842"/>
-                </a:highlight>
-                <a:latin typeface="Consolas" pitchFamily="34" charset="0"/>
-                <a:ea typeface="Consolas" pitchFamily="34" charset="-122"/>
-                <a:cs typeface="Consolas" pitchFamily="34" charset="-120"/>
-              </a:rPr>
-              <a:t>  return schedule</a:t>
-            </a:r>
-            <a:endParaRPr lang="en-US" sz="1750" dirty="0"/>
-          </a:p>
-        </p:txBody>
-      </p:sp>
-      <p:sp>
-        <p:nvSpPr>
-          <p:cNvPr id="7" name="Text 5"/>
-          <p:cNvSpPr/>
-          <p:nvPr/>
-        </p:nvSpPr>
-        <p:spPr>
-          <a:xfrm>
-            <a:off x="7594402" y="2002036"/>
-            <a:ext cx="2619732" cy="327422"/>
-          </a:xfrm>
-          <a:prstGeom prst="rect">
-            <a:avLst/>
-          </a:prstGeom>
-          <a:noFill/>
-          <a:ln/>
-        </p:spPr>
-        <p:txBody>
-          <a:bodyPr wrap="none" lIns="0" tIns="0" rIns="0" bIns="0" rtlCol="0" anchor="t"/>
-          <a:lstStyle/>
-          <a:p>
-            <a:pPr marL="0" indent="0">
-              <a:lnSpc>
-                <a:spcPts val="2550"/>
-              </a:lnSpc>
-              <a:buNone/>
-            </a:pPr>
-            <a:r>
-              <a:rPr lang="en-US" sz="2050" dirty="0">
-                <a:solidFill>
-                  <a:srgbClr val="FFFFFF"/>
-                </a:solidFill>
-                <a:latin typeface="Unbounded" pitchFamily="34" charset="0"/>
-                <a:ea typeface="Unbounded" pitchFamily="34" charset="-122"/>
-                <a:cs typeface="Unbounded" pitchFamily="34" charset="-120"/>
-              </a:rPr>
-              <a:t>Explanation:</a:t>
-            </a:r>
-            <a:endParaRPr lang="en-US" sz="2050" dirty="0"/>
-          </a:p>
-        </p:txBody>
-      </p:sp>
-      <p:sp>
-        <p:nvSpPr>
-          <p:cNvPr id="8" name="Text 6"/>
-          <p:cNvSpPr/>
-          <p:nvPr/>
-        </p:nvSpPr>
-        <p:spPr>
-          <a:xfrm>
-            <a:off x="7594402" y="2552105"/>
-            <a:ext cx="6264354" cy="356235"/>
-          </a:xfrm>
-          <a:prstGeom prst="rect">
-            <a:avLst/>
-          </a:prstGeom>
-          <a:noFill/>
-          <a:ln/>
-        </p:spPr>
-        <p:txBody>
-          <a:bodyPr wrap="none" lIns="0" tIns="0" rIns="0" bIns="0" rtlCol="0" anchor="t"/>
-          <a:lstStyle/>
-          <a:p>
-            <a:pPr marL="0" indent="0">
-              <a:lnSpc>
-                <a:spcPts val="2800"/>
-              </a:lnSpc>
-              <a:buNone/>
-            </a:pPr>
-            <a:r>
-              <a:rPr lang="en-US" sz="1750" dirty="0">
-                <a:solidFill>
-                  <a:srgbClr val="CAD6DE"/>
-                </a:solidFill>
-                <a:latin typeface="Cabin" pitchFamily="34" charset="0"/>
-                <a:ea typeface="Cabin" pitchFamily="34" charset="-122"/>
-                <a:cs typeface="Cabin" pitchFamily="34" charset="-120"/>
-              </a:rPr>
-              <a:t>- Matches participants in pairs.</a:t>
-            </a:r>
-            <a:endParaRPr lang="en-US" sz="1750" dirty="0"/>
-          </a:p>
-        </p:txBody>
-      </p:sp>
-      <p:sp>
-        <p:nvSpPr>
-          <p:cNvPr id="9" name="Text 7"/>
-          <p:cNvSpPr/>
-          <p:nvPr/>
-        </p:nvSpPr>
-        <p:spPr>
-          <a:xfrm>
-            <a:off x="7594402" y="3108722"/>
-            <a:ext cx="6264354" cy="356235"/>
-          </a:xfrm>
-          <a:prstGeom prst="rect">
-            <a:avLst/>
-          </a:prstGeom>
-          <a:noFill/>
-          <a:ln/>
-        </p:spPr>
-        <p:txBody>
-          <a:bodyPr wrap="none" lIns="0" tIns="0" rIns="0" bIns="0" rtlCol="0" anchor="t"/>
-          <a:lstStyle/>
-          <a:p>
-            <a:pPr marL="0" indent="0">
-              <a:lnSpc>
-                <a:spcPts val="2800"/>
-              </a:lnSpc>
-              <a:buNone/>
-            </a:pPr>
-            <a:r>
-              <a:rPr lang="en-US" sz="1750" dirty="0">
-                <a:solidFill>
-                  <a:srgbClr val="CAD6DE"/>
-                </a:solidFill>
-                <a:latin typeface="Cabin" pitchFamily="34" charset="0"/>
-                <a:ea typeface="Cabin" pitchFamily="34" charset="-122"/>
-                <a:cs typeface="Cabin" pitchFamily="34" charset="-120"/>
-              </a:rPr>
-              <a:t>- Winners proceed to the next round until only one remains.</a:t>
-            </a:r>
-            <a:endParaRPr lang="en-US" sz="1750" dirty="0"/>
-          </a:p>
-        </p:txBody>
-      </p:sp>
-      <p:sp>
-        <p:nvSpPr>
-          <p:cNvPr id="10" name="Text 8"/>
-          <p:cNvSpPr/>
-          <p:nvPr/>
-        </p:nvSpPr>
-        <p:spPr>
-          <a:xfrm>
-            <a:off x="7594402" y="3665339"/>
-            <a:ext cx="6264354" cy="356235"/>
-          </a:xfrm>
-          <a:prstGeom prst="rect">
-            <a:avLst/>
-          </a:prstGeom>
-          <a:noFill/>
-          <a:ln/>
-        </p:spPr>
-        <p:txBody>
-          <a:bodyPr wrap="none" lIns="0" tIns="0" rIns="0" bIns="0" rtlCol="0" anchor="t"/>
-          <a:lstStyle/>
-          <a:p>
-            <a:pPr marL="0" indent="0">
-              <a:lnSpc>
-                <a:spcPts val="2800"/>
-              </a:lnSpc>
-              <a:buNone/>
-            </a:pPr>
-            <a:r>
-              <a:rPr lang="en-US" sz="1750" dirty="0">
-                <a:solidFill>
-                  <a:srgbClr val="CAD6DE"/>
-                </a:solidFill>
-                <a:latin typeface="Cabin" pitchFamily="34" charset="0"/>
-                <a:ea typeface="Cabin" pitchFamily="34" charset="-122"/>
-                <a:cs typeface="Cabin" pitchFamily="34" charset="-120"/>
-              </a:rPr>
-              <a:t>- Optimized for practicality with minimal matches.</a:t>
-            </a:r>
-            <a:endParaRPr lang="en-US" sz="1750" dirty="0"/>
-          </a:p>
-        </p:txBody>
-      </p:sp>
-    </p:spTree>
-    <p:extLst>
-      <p:ext uri="{BB962C8B-B14F-4D97-AF65-F5344CB8AC3E}">
-        <p14:creationId xmlns:p14="http://schemas.microsoft.com/office/powerpoint/2010/main" val="2940067841"/>
-      </p:ext>
-    </p:extLst>
   </p:cSld>
   <p:clrMapOvr>
     <a:masterClrMapping/>
@@ -3430,6 +3508,607 @@
           <a:chExt cx="0" cy="0"/>
         </a:xfrm>
       </p:grpSpPr>
+      <p:sp>
+        <p:nvSpPr>
+          <p:cNvPr id="2" name="Text 0"/>
+          <p:cNvSpPr/>
+          <p:nvPr/>
+        </p:nvSpPr>
+        <p:spPr>
+          <a:xfrm>
+            <a:off x="779264" y="790456"/>
+            <a:ext cx="10685026" cy="654963"/>
+          </a:xfrm>
+          <a:prstGeom prst="rect">
+            <a:avLst/>
+          </a:prstGeom>
+          <a:noFill/>
+          <a:ln/>
+        </p:spPr>
+        <p:txBody>
+          <a:bodyPr wrap="none" lIns="0" tIns="0" rIns="0" bIns="0" rtlCol="0" anchor="t"/>
+          <a:lstStyle/>
+          <a:p>
+            <a:pPr marL="0" indent="0">
+              <a:lnSpc>
+                <a:spcPts val="5150"/>
+              </a:lnSpc>
+              <a:buNone/>
+            </a:pPr>
+            <a:r>
+              <a:rPr lang="en-US" sz="4100" dirty="0">
+                <a:solidFill>
+                  <a:srgbClr val="FFFFFF"/>
+                </a:solidFill>
+                <a:latin typeface="Unbounded" pitchFamily="34" charset="0"/>
+                <a:ea typeface="Unbounded" pitchFamily="34" charset="-122"/>
+                <a:cs typeface="Unbounded" pitchFamily="34" charset="-120"/>
+              </a:rPr>
+              <a:t>Code: Single Elimination Scheduler</a:t>
+            </a:r>
+            <a:endParaRPr lang="en-US" sz="4100" dirty="0"/>
+          </a:p>
+        </p:txBody>
+      </p:sp>
+      <p:sp>
+        <p:nvSpPr>
+          <p:cNvPr id="3" name="Text 1"/>
+          <p:cNvSpPr/>
+          <p:nvPr/>
+        </p:nvSpPr>
+        <p:spPr>
+          <a:xfrm>
+            <a:off x="779264" y="2002036"/>
+            <a:ext cx="2619732" cy="327422"/>
+          </a:xfrm>
+          <a:prstGeom prst="rect">
+            <a:avLst/>
+          </a:prstGeom>
+          <a:noFill/>
+          <a:ln/>
+        </p:spPr>
+        <p:txBody>
+          <a:bodyPr wrap="none" lIns="0" tIns="0" rIns="0" bIns="0" rtlCol="0" anchor="t"/>
+          <a:lstStyle/>
+          <a:p>
+            <a:pPr marL="0" indent="0">
+              <a:lnSpc>
+                <a:spcPts val="2550"/>
+              </a:lnSpc>
+              <a:buNone/>
+            </a:pPr>
+            <a:r>
+              <a:rPr lang="en-US" sz="2050" dirty="0">
+                <a:solidFill>
+                  <a:srgbClr val="FFFFFF"/>
+                </a:solidFill>
+                <a:latin typeface="Unbounded" pitchFamily="34" charset="0"/>
+                <a:ea typeface="Unbounded" pitchFamily="34" charset="-122"/>
+                <a:cs typeface="Unbounded" pitchFamily="34" charset="-120"/>
+              </a:rPr>
+              <a:t>Code Snippet:</a:t>
+            </a:r>
+            <a:endParaRPr lang="en-US" sz="2050" dirty="0"/>
+          </a:p>
+        </p:txBody>
+      </p:sp>
+      <p:sp>
+        <p:nvSpPr>
+          <p:cNvPr id="4" name="Shape 2"/>
+          <p:cNvSpPr/>
+          <p:nvPr/>
+        </p:nvSpPr>
+        <p:spPr>
+          <a:xfrm>
+            <a:off x="779264" y="2579965"/>
+            <a:ext cx="6264354" cy="4608671"/>
+          </a:xfrm>
+          <a:prstGeom prst="roundRect">
+            <a:avLst>
+              <a:gd name="adj" fmla="val 725"/>
+            </a:avLst>
+          </a:prstGeom>
+          <a:solidFill>
+            <a:srgbClr val="054842"/>
+          </a:solidFill>
+          <a:ln/>
+        </p:spPr>
+      </p:sp>
+      <p:sp>
+        <p:nvSpPr>
+          <p:cNvPr id="5" name="Shape 3"/>
+          <p:cNvSpPr/>
+          <p:nvPr/>
+        </p:nvSpPr>
+        <p:spPr>
+          <a:xfrm>
+            <a:off x="768191" y="2579965"/>
+            <a:ext cx="6286500" cy="4608671"/>
+          </a:xfrm>
+          <a:prstGeom prst="roundRect">
+            <a:avLst>
+              <a:gd name="adj" fmla="val 725"/>
+            </a:avLst>
+          </a:prstGeom>
+          <a:solidFill>
+            <a:srgbClr val="054842"/>
+          </a:solidFill>
+          <a:ln/>
+        </p:spPr>
+      </p:sp>
+      <p:sp>
+        <p:nvSpPr>
+          <p:cNvPr id="6" name="Text 4"/>
+          <p:cNvSpPr/>
+          <p:nvPr/>
+        </p:nvSpPr>
+        <p:spPr>
+          <a:xfrm>
+            <a:off x="990838" y="2746891"/>
+            <a:ext cx="5841206" cy="4274820"/>
+          </a:xfrm>
+          <a:prstGeom prst="rect">
+            <a:avLst/>
+          </a:prstGeom>
+          <a:noFill/>
+          <a:ln/>
+        </p:spPr>
+        <p:txBody>
+          <a:bodyPr wrap="square" lIns="0" tIns="0" rIns="0" bIns="0" rtlCol="0" anchor="t"/>
+          <a:lstStyle/>
+          <a:p>
+            <a:pPr marL="0" indent="0">
+              <a:lnSpc>
+                <a:spcPts val="2800"/>
+              </a:lnSpc>
+              <a:buNone/>
+            </a:pPr>
+            <a:r>
+              <a:rPr lang="en-US" sz="1750" dirty="0">
+                <a:solidFill>
+                  <a:srgbClr val="CAD6DE"/>
+                </a:solidFill>
+                <a:highlight>
+                  <a:srgbClr val="054842"/>
+                </a:highlight>
+                <a:latin typeface="Consolas" pitchFamily="34" charset="0"/>
+                <a:ea typeface="Consolas" pitchFamily="34" charset="-122"/>
+                <a:cs typeface="Consolas" pitchFamily="34" charset="-120"/>
+              </a:rPr>
+              <a:t>def single_elimination_schedule(participants):</a:t>
+            </a:r>
+            <a:endParaRPr lang="en-US" sz="1750" dirty="0"/>
+          </a:p>
+          <a:p>
+            <a:pPr marL="0" indent="0">
+              <a:lnSpc>
+                <a:spcPts val="2800"/>
+              </a:lnSpc>
+              <a:buNone/>
+            </a:pPr>
+            <a:r>
+              <a:rPr lang="en-US" sz="1750" dirty="0">
+                <a:solidFill>
+                  <a:srgbClr val="CAD6DE"/>
+                </a:solidFill>
+                <a:highlight>
+                  <a:srgbClr val="054842"/>
+                </a:highlight>
+                <a:latin typeface="Consolas" pitchFamily="34" charset="0"/>
+                <a:ea typeface="Consolas" pitchFamily="34" charset="-122"/>
+                <a:cs typeface="Consolas" pitchFamily="34" charset="-120"/>
+              </a:rPr>
+              <a:t>  """ Creates a Single Elimination schedule. """</a:t>
+            </a:r>
+            <a:endParaRPr lang="en-US" sz="1750" dirty="0"/>
+          </a:p>
+          <a:p>
+            <a:pPr marL="0" indent="0">
+              <a:lnSpc>
+                <a:spcPts val="2800"/>
+              </a:lnSpc>
+              <a:buNone/>
+            </a:pPr>
+            <a:r>
+              <a:rPr lang="en-US" sz="1750" dirty="0">
+                <a:solidFill>
+                  <a:srgbClr val="CAD6DE"/>
+                </a:solidFill>
+                <a:highlight>
+                  <a:srgbClr val="054842"/>
+                </a:highlight>
+                <a:latin typeface="Consolas" pitchFamily="34" charset="0"/>
+                <a:ea typeface="Consolas" pitchFamily="34" charset="-122"/>
+                <a:cs typeface="Consolas" pitchFamily="34" charset="-120"/>
+              </a:rPr>
+              <a:t>  schedule = []</a:t>
+            </a:r>
+            <a:endParaRPr lang="en-US" sz="1750" dirty="0"/>
+          </a:p>
+          <a:p>
+            <a:pPr marL="0" indent="0">
+              <a:lnSpc>
+                <a:spcPts val="2800"/>
+              </a:lnSpc>
+              <a:buNone/>
+            </a:pPr>
+            <a:r>
+              <a:rPr lang="en-US" sz="1750" dirty="0">
+                <a:solidFill>
+                  <a:srgbClr val="CAD6DE"/>
+                </a:solidFill>
+                <a:highlight>
+                  <a:srgbClr val="054842"/>
+                </a:highlight>
+                <a:latin typeface="Consolas" pitchFamily="34" charset="0"/>
+                <a:ea typeface="Consolas" pitchFamily="34" charset="-122"/>
+                <a:cs typeface="Consolas" pitchFamily="34" charset="-120"/>
+              </a:rPr>
+              <a:t>  while len(participants) &gt; 1:</a:t>
+            </a:r>
+            <a:endParaRPr lang="en-US" sz="1750" dirty="0"/>
+          </a:p>
+          <a:p>
+            <a:pPr marL="0" indent="0">
+              <a:lnSpc>
+                <a:spcPts val="2800"/>
+              </a:lnSpc>
+              <a:buNone/>
+            </a:pPr>
+            <a:r>
+              <a:rPr lang="en-US" sz="1750" dirty="0">
+                <a:solidFill>
+                  <a:srgbClr val="CAD6DE"/>
+                </a:solidFill>
+                <a:highlight>
+                  <a:srgbClr val="054842"/>
+                </a:highlight>
+                <a:latin typeface="Consolas" pitchFamily="34" charset="0"/>
+                <a:ea typeface="Consolas" pitchFamily="34" charset="-122"/>
+                <a:cs typeface="Consolas" pitchFamily="34" charset="-120"/>
+              </a:rPr>
+              <a:t>    round_matches = []</a:t>
+            </a:r>
+            <a:endParaRPr lang="en-US" sz="1750" dirty="0"/>
+          </a:p>
+          <a:p>
+            <a:pPr marL="0" indent="0">
+              <a:lnSpc>
+                <a:spcPts val="2800"/>
+              </a:lnSpc>
+              <a:buNone/>
+            </a:pPr>
+            <a:r>
+              <a:rPr lang="en-US" sz="1750" dirty="0">
+                <a:solidFill>
+                  <a:srgbClr val="CAD6DE"/>
+                </a:solidFill>
+                <a:highlight>
+                  <a:srgbClr val="054842"/>
+                </a:highlight>
+                <a:latin typeface="Consolas" pitchFamily="34" charset="0"/>
+                <a:ea typeface="Consolas" pitchFamily="34" charset="-122"/>
+                <a:cs typeface="Consolas" pitchFamily="34" charset="-120"/>
+              </a:rPr>
+              <a:t>    for i in range(0, len(participants), 2):</a:t>
+            </a:r>
+            <a:endParaRPr lang="en-US" sz="1750" dirty="0"/>
+          </a:p>
+          <a:p>
+            <a:pPr marL="0" indent="0">
+              <a:lnSpc>
+                <a:spcPts val="2800"/>
+              </a:lnSpc>
+              <a:buNone/>
+            </a:pPr>
+            <a:r>
+              <a:rPr lang="en-US" sz="1750" dirty="0">
+                <a:solidFill>
+                  <a:srgbClr val="CAD6DE"/>
+                </a:solidFill>
+                <a:highlight>
+                  <a:srgbClr val="054842"/>
+                </a:highlight>
+                <a:latin typeface="Consolas" pitchFamily="34" charset="0"/>
+                <a:ea typeface="Consolas" pitchFamily="34" charset="-122"/>
+                <a:cs typeface="Consolas" pitchFamily="34" charset="-120"/>
+              </a:rPr>
+              <a:t>      round_matches.append((participants[i], participants[i + 1]))</a:t>
+            </a:r>
+            <a:endParaRPr lang="en-US" sz="1750" dirty="0"/>
+          </a:p>
+          <a:p>
+            <a:pPr marL="0" indent="0">
+              <a:lnSpc>
+                <a:spcPts val="2800"/>
+              </a:lnSpc>
+              <a:buNone/>
+            </a:pPr>
+            <a:r>
+              <a:rPr lang="en-US" sz="1750" dirty="0">
+                <a:solidFill>
+                  <a:srgbClr val="CAD6DE"/>
+                </a:solidFill>
+                <a:highlight>
+                  <a:srgbClr val="054842"/>
+                </a:highlight>
+                <a:latin typeface="Consolas" pitchFamily="34" charset="0"/>
+                <a:ea typeface="Consolas" pitchFamily="34" charset="-122"/>
+                <a:cs typeface="Consolas" pitchFamily="34" charset="-120"/>
+              </a:rPr>
+              <a:t>    participants = [winner for winner, _ in round_matches]</a:t>
+            </a:r>
+            <a:endParaRPr lang="en-US" sz="1750" dirty="0"/>
+          </a:p>
+          <a:p>
+            <a:pPr marL="0" indent="0">
+              <a:lnSpc>
+                <a:spcPts val="2800"/>
+              </a:lnSpc>
+              <a:buNone/>
+            </a:pPr>
+            <a:r>
+              <a:rPr lang="en-US" sz="1750" dirty="0">
+                <a:solidFill>
+                  <a:srgbClr val="CAD6DE"/>
+                </a:solidFill>
+                <a:highlight>
+                  <a:srgbClr val="054842"/>
+                </a:highlight>
+                <a:latin typeface="Consolas" pitchFamily="34" charset="0"/>
+                <a:ea typeface="Consolas" pitchFamily="34" charset="-122"/>
+                <a:cs typeface="Consolas" pitchFamily="34" charset="-120"/>
+              </a:rPr>
+              <a:t>    # Placeholder winners schedule.</a:t>
+            </a:r>
+            <a:endParaRPr lang="en-US" sz="1750" dirty="0"/>
+          </a:p>
+          <a:p>
+            <a:pPr marL="0" indent="0">
+              <a:lnSpc>
+                <a:spcPts val="2800"/>
+              </a:lnSpc>
+              <a:buNone/>
+            </a:pPr>
+            <a:r>
+              <a:rPr lang="en-US" sz="1750" dirty="0">
+                <a:solidFill>
+                  <a:srgbClr val="CAD6DE"/>
+                </a:solidFill>
+                <a:highlight>
+                  <a:srgbClr val="054842"/>
+                </a:highlight>
+                <a:latin typeface="Consolas" pitchFamily="34" charset="0"/>
+                <a:ea typeface="Consolas" pitchFamily="34" charset="-122"/>
+                <a:cs typeface="Consolas" pitchFamily="34" charset="-120"/>
+              </a:rPr>
+              <a:t>    schedule.append(round_matches)</a:t>
+            </a:r>
+            <a:endParaRPr lang="en-US" sz="1750" dirty="0"/>
+          </a:p>
+          <a:p>
+            <a:pPr marL="0" indent="0">
+              <a:lnSpc>
+                <a:spcPts val="2800"/>
+              </a:lnSpc>
+              <a:buNone/>
+            </a:pPr>
+            <a:r>
+              <a:rPr lang="en-US" sz="1750" dirty="0">
+                <a:solidFill>
+                  <a:srgbClr val="CAD6DE"/>
+                </a:solidFill>
+                <a:highlight>
+                  <a:srgbClr val="054842"/>
+                </a:highlight>
+                <a:latin typeface="Consolas" pitchFamily="34" charset="0"/>
+                <a:ea typeface="Consolas" pitchFamily="34" charset="-122"/>
+                <a:cs typeface="Consolas" pitchFamily="34" charset="-120"/>
+              </a:rPr>
+              <a:t>  return schedule</a:t>
+            </a:r>
+            <a:endParaRPr lang="en-US" sz="1750" dirty="0"/>
+          </a:p>
+        </p:txBody>
+      </p:sp>
+      <p:sp>
+        <p:nvSpPr>
+          <p:cNvPr id="7" name="Text 5"/>
+          <p:cNvSpPr/>
+          <p:nvPr/>
+        </p:nvSpPr>
+        <p:spPr>
+          <a:xfrm>
+            <a:off x="7594402" y="2002036"/>
+            <a:ext cx="2619732" cy="327422"/>
+          </a:xfrm>
+          <a:prstGeom prst="rect">
+            <a:avLst/>
+          </a:prstGeom>
+          <a:noFill/>
+          <a:ln/>
+        </p:spPr>
+        <p:txBody>
+          <a:bodyPr wrap="none" lIns="0" tIns="0" rIns="0" bIns="0" rtlCol="0" anchor="t"/>
+          <a:lstStyle/>
+          <a:p>
+            <a:pPr marL="0" indent="0">
+              <a:lnSpc>
+                <a:spcPts val="2550"/>
+              </a:lnSpc>
+              <a:buNone/>
+            </a:pPr>
+            <a:r>
+              <a:rPr lang="en-US" sz="2050" dirty="0">
+                <a:solidFill>
+                  <a:srgbClr val="FFFFFF"/>
+                </a:solidFill>
+                <a:latin typeface="Unbounded" pitchFamily="34" charset="0"/>
+                <a:ea typeface="Unbounded" pitchFamily="34" charset="-122"/>
+                <a:cs typeface="Unbounded" pitchFamily="34" charset="-120"/>
+              </a:rPr>
+              <a:t>Explanation:</a:t>
+            </a:r>
+            <a:endParaRPr lang="en-US" sz="2050" dirty="0"/>
+          </a:p>
+        </p:txBody>
+      </p:sp>
+      <p:sp>
+        <p:nvSpPr>
+          <p:cNvPr id="8" name="Text 6"/>
+          <p:cNvSpPr/>
+          <p:nvPr/>
+        </p:nvSpPr>
+        <p:spPr>
+          <a:xfrm>
+            <a:off x="7594402" y="2552105"/>
+            <a:ext cx="6264354" cy="356235"/>
+          </a:xfrm>
+          <a:prstGeom prst="rect">
+            <a:avLst/>
+          </a:prstGeom>
+          <a:noFill/>
+          <a:ln/>
+        </p:spPr>
+        <p:txBody>
+          <a:bodyPr wrap="none" lIns="0" tIns="0" rIns="0" bIns="0" rtlCol="0" anchor="t"/>
+          <a:lstStyle/>
+          <a:p>
+            <a:pPr marL="0" indent="0">
+              <a:lnSpc>
+                <a:spcPts val="2800"/>
+              </a:lnSpc>
+              <a:buNone/>
+            </a:pPr>
+            <a:r>
+              <a:rPr lang="en-US" sz="1750" dirty="0">
+                <a:solidFill>
+                  <a:srgbClr val="CAD6DE"/>
+                </a:solidFill>
+                <a:latin typeface="Cabin" pitchFamily="34" charset="0"/>
+                <a:ea typeface="Cabin" pitchFamily="34" charset="-122"/>
+                <a:cs typeface="Cabin" pitchFamily="34" charset="-120"/>
+              </a:rPr>
+              <a:t>- Matches participants in pairs.</a:t>
+            </a:r>
+            <a:endParaRPr lang="en-US" sz="1750" dirty="0"/>
+          </a:p>
+        </p:txBody>
+      </p:sp>
+      <p:sp>
+        <p:nvSpPr>
+          <p:cNvPr id="9" name="Text 7"/>
+          <p:cNvSpPr/>
+          <p:nvPr/>
+        </p:nvSpPr>
+        <p:spPr>
+          <a:xfrm>
+            <a:off x="7594402" y="3108722"/>
+            <a:ext cx="6264354" cy="356235"/>
+          </a:xfrm>
+          <a:prstGeom prst="rect">
+            <a:avLst/>
+          </a:prstGeom>
+          <a:noFill/>
+          <a:ln/>
+        </p:spPr>
+        <p:txBody>
+          <a:bodyPr wrap="none" lIns="0" tIns="0" rIns="0" bIns="0" rtlCol="0" anchor="t"/>
+          <a:lstStyle/>
+          <a:p>
+            <a:pPr marL="0" indent="0">
+              <a:lnSpc>
+                <a:spcPts val="2800"/>
+              </a:lnSpc>
+              <a:buNone/>
+            </a:pPr>
+            <a:r>
+              <a:rPr lang="en-US" sz="1750" dirty="0">
+                <a:solidFill>
+                  <a:srgbClr val="CAD6DE"/>
+                </a:solidFill>
+                <a:latin typeface="Cabin" pitchFamily="34" charset="0"/>
+                <a:ea typeface="Cabin" pitchFamily="34" charset="-122"/>
+                <a:cs typeface="Cabin" pitchFamily="34" charset="-120"/>
+              </a:rPr>
+              <a:t>- Winners proceed to the next round until only one remains.</a:t>
+            </a:r>
+            <a:endParaRPr lang="en-US" sz="1750" dirty="0"/>
+          </a:p>
+        </p:txBody>
+      </p:sp>
+      <p:sp>
+        <p:nvSpPr>
+          <p:cNvPr id="10" name="Text 8"/>
+          <p:cNvSpPr/>
+          <p:nvPr/>
+        </p:nvSpPr>
+        <p:spPr>
+          <a:xfrm>
+            <a:off x="7594402" y="3665339"/>
+            <a:ext cx="6264354" cy="356235"/>
+          </a:xfrm>
+          <a:prstGeom prst="rect">
+            <a:avLst/>
+          </a:prstGeom>
+          <a:noFill/>
+          <a:ln/>
+        </p:spPr>
+        <p:txBody>
+          <a:bodyPr wrap="none" lIns="0" tIns="0" rIns="0" bIns="0" rtlCol="0" anchor="t"/>
+          <a:lstStyle/>
+          <a:p>
+            <a:pPr marL="0" indent="0">
+              <a:lnSpc>
+                <a:spcPts val="2800"/>
+              </a:lnSpc>
+              <a:buNone/>
+            </a:pPr>
+            <a:r>
+              <a:rPr lang="en-US" sz="1750" dirty="0">
+                <a:solidFill>
+                  <a:srgbClr val="CAD6DE"/>
+                </a:solidFill>
+                <a:latin typeface="Cabin" pitchFamily="34" charset="0"/>
+                <a:ea typeface="Cabin" pitchFamily="34" charset="-122"/>
+                <a:cs typeface="Cabin" pitchFamily="34" charset="-120"/>
+              </a:rPr>
+              <a:t>- Optimized for practicality with minimal matches.</a:t>
+            </a:r>
+            <a:endParaRPr lang="en-US" sz="1750" dirty="0"/>
+          </a:p>
+        </p:txBody>
+      </p:sp>
+    </p:spTree>
+    <p:extLst>
+      <p:ext uri="{BB962C8B-B14F-4D97-AF65-F5344CB8AC3E}">
+        <p14:creationId xmlns:p14="http://schemas.microsoft.com/office/powerpoint/2010/main" val="2940067841"/>
+      </p:ext>
+    </p:extLst>
+  </p:cSld>
+  <p:clrMapOvr>
+    <a:masterClrMapping/>
+  </p:clrMapOvr>
+</p:sld>
+</file>
+
+<file path=ppt/slides/slide13.xml><?xml version="1.0" encoding="utf-8"?>
+<p:sld xmlns:a="http://schemas.openxmlformats.org/drawingml/2006/main" xmlns:r="http://schemas.openxmlformats.org/officeDocument/2006/relationships" xmlns:p="http://schemas.openxmlformats.org/presentationml/2006/main">
+  <p:cSld>
+    <p:spTree>
+      <p:nvGrpSpPr>
+        <p:cNvPr id="1" name=""/>
+        <p:cNvGrpSpPr/>
+        <p:nvPr/>
+      </p:nvGrpSpPr>
+      <p:grpSpPr>
+        <a:xfrm>
+          <a:off x="0" y="0"/>
+          <a:ext cx="0" cy="0"/>
+          <a:chOff x="0" y="0"/>
+          <a:chExt cx="0" cy="0"/>
+        </a:xfrm>
+      </p:grpSpPr>
       <p:pic>
         <p:nvPicPr>
           <p:cNvPr id="2" name="Image 0" descr="preencoded.png"/>
@@ -3764,6 +4443,170 @@
 </file>
 
 <file path=ppt/slides/slide2.xml><?xml version="1.0" encoding="utf-8"?>
+<p:sld xmlns:a="http://schemas.openxmlformats.org/drawingml/2006/main" xmlns:r="http://schemas.openxmlformats.org/officeDocument/2006/relationships" xmlns:p="http://schemas.openxmlformats.org/presentationml/2006/main">
+  <p:cSld name="Slide 1">
+    <p:spTree>
+      <p:nvGrpSpPr>
+        <p:cNvPr id="1" name=""/>
+        <p:cNvGrpSpPr/>
+        <p:nvPr/>
+      </p:nvGrpSpPr>
+      <p:grpSpPr>
+        <a:xfrm>
+          <a:off x="0" y="0"/>
+          <a:ext cx="0" cy="0"/>
+          <a:chOff x="0" y="0"/>
+          <a:chExt cx="0" cy="0"/>
+        </a:xfrm>
+      </p:grpSpPr>
+      <p:pic>
+        <p:nvPicPr>
+          <p:cNvPr id="2" name="Image 0" descr="preencoded.png"/>
+          <p:cNvPicPr>
+            <a:picLocks noChangeAspect="1"/>
+          </p:cNvPicPr>
+          <p:nvPr/>
+        </p:nvPicPr>
+        <p:blipFill>
+          <a:blip r:embed="rId3"/>
+          <a:stretch>
+            <a:fillRect/>
+          </a:stretch>
+        </p:blipFill>
+        <p:spPr>
+          <a:xfrm>
+            <a:off x="9144000" y="0"/>
+            <a:ext cx="5486400" cy="8229600"/>
+          </a:xfrm>
+          <a:prstGeom prst="rect">
+            <a:avLst/>
+          </a:prstGeom>
+        </p:spPr>
+      </p:pic>
+      <p:sp>
+        <p:nvSpPr>
+          <p:cNvPr id="3" name="Text 0"/>
+          <p:cNvSpPr/>
+          <p:nvPr/>
+        </p:nvSpPr>
+        <p:spPr>
+          <a:xfrm>
+            <a:off x="837724" y="1378148"/>
+            <a:ext cx="7468553" cy="2816066"/>
+          </a:xfrm>
+          <a:prstGeom prst="rect">
+            <a:avLst/>
+          </a:prstGeom>
+          <a:noFill/>
+          <a:ln/>
+        </p:spPr>
+        <p:txBody>
+          <a:bodyPr wrap="square" lIns="0" tIns="0" rIns="0" bIns="0" rtlCol="0" anchor="t"/>
+          <a:lstStyle/>
+          <a:p>
+            <a:pPr marL="0" indent="0">
+              <a:lnSpc>
+                <a:spcPts val="5500"/>
+              </a:lnSpc>
+              <a:buNone/>
+            </a:pPr>
+            <a:r>
+              <a:rPr lang="en-US" sz="4400" dirty="0">
+                <a:solidFill>
+                  <a:srgbClr val="FFFFFF"/>
+                </a:solidFill>
+                <a:latin typeface="Unbounded" pitchFamily="34" charset="0"/>
+                <a:ea typeface="Unbounded" pitchFamily="34" charset="-122"/>
+                <a:cs typeface="Unbounded" pitchFamily="34" charset="-120"/>
+              </a:rPr>
+              <a:t>Philosophical Inquiry: Through Tournament Schedulers</a:t>
+            </a:r>
+            <a:endParaRPr lang="en-US" sz="4400" dirty="0"/>
+          </a:p>
+        </p:txBody>
+      </p:sp>
+      <p:sp>
+        <p:nvSpPr>
+          <p:cNvPr id="4" name="Text 1"/>
+          <p:cNvSpPr/>
+          <p:nvPr/>
+        </p:nvSpPr>
+        <p:spPr>
+          <a:xfrm>
+            <a:off x="837724" y="4553188"/>
+            <a:ext cx="7468553" cy="2298144"/>
+          </a:xfrm>
+          <a:prstGeom prst="rect">
+            <a:avLst/>
+          </a:prstGeom>
+          <a:noFill/>
+          <a:ln/>
+        </p:spPr>
+        <p:txBody>
+          <a:bodyPr wrap="square" lIns="0" tIns="0" rIns="0" bIns="0" rtlCol="0" anchor="t"/>
+          <a:lstStyle/>
+          <a:p>
+            <a:pPr marL="0" indent="0">
+              <a:lnSpc>
+                <a:spcPts val="3000"/>
+              </a:lnSpc>
+              <a:buNone/>
+            </a:pPr>
+            <a:r>
+              <a:rPr lang="en-US" sz="1850" b="0" i="0" dirty="0">
+                <a:solidFill>
+                  <a:schemeClr val="bg1">
+                    <a:lumMod val="75000"/>
+                  </a:schemeClr>
+                </a:solidFill>
+                <a:effectLst/>
+                <a:latin typeface="Cabin" panose="020B0604020202020204" charset="0"/>
+              </a:rPr>
+              <a:t>Fairness….a concept we often assume holds weight in reality</a:t>
+            </a:r>
+            <a:r>
+              <a:rPr lang="en-US" sz="1850" dirty="0">
+                <a:solidFill>
+                  <a:schemeClr val="bg1">
+                    <a:lumMod val="75000"/>
+                  </a:schemeClr>
+                </a:solidFill>
+                <a:latin typeface="Cabin" panose="020B0604020202020204" charset="0"/>
+              </a:rPr>
+              <a:t> but today we are going to prove so otherwise. We will use tournament schedulers as an example to visualize this phenomenon. While also </a:t>
+            </a:r>
+            <a:r>
+              <a:rPr lang="en-US" sz="1850" b="0" i="0" dirty="0">
+                <a:solidFill>
+                  <a:schemeClr val="bg1">
+                    <a:lumMod val="75000"/>
+                  </a:schemeClr>
+                </a:solidFill>
+                <a:effectLst/>
+                <a:latin typeface="Cabin" panose="020B0604020202020204" charset="0"/>
+              </a:rPr>
+              <a:t>exploring different tournament formats, the algorithms behind them, and how we can develop solutions that meet both fairness and efficiency in competitive environments.</a:t>
+            </a:r>
+            <a:endParaRPr lang="en-US" sz="1850" dirty="0">
+              <a:solidFill>
+                <a:schemeClr val="bg1">
+                  <a:lumMod val="75000"/>
+                </a:schemeClr>
+              </a:solidFill>
+              <a:latin typeface="Cabin" panose="020B0604020202020204" charset="0"/>
+            </a:endParaRPr>
+          </a:p>
+        </p:txBody>
+      </p:sp>
+    </p:spTree>
+  </p:cSld>
+  <p:clrMapOvr>
+    <a:masterClrMapping/>
+  </p:clrMapOvr>
+</p:sld>
+</file>
+
+<file path=ppt/slides/slide3.xml><?xml version="1.0" encoding="utf-8"?>
 <p:sld xmlns:a="http://schemas.openxmlformats.org/drawingml/2006/main" xmlns:r="http://schemas.openxmlformats.org/officeDocument/2006/relationships" xmlns:p="http://schemas.openxmlformats.org/presentationml/2006/main">
   <p:cSld name="Slide 2">
     <p:spTree>
@@ -4085,7 +4928,7 @@
 </p:sld>
 </file>
 
-<file path=ppt/slides/slide3.xml><?xml version="1.0" encoding="utf-8"?>
+<file path=ppt/slides/slide4.xml><?xml version="1.0" encoding="utf-8"?>
 <p:sld xmlns:a="http://schemas.openxmlformats.org/drawingml/2006/main" xmlns:r="http://schemas.openxmlformats.org/officeDocument/2006/relationships" xmlns:p="http://schemas.openxmlformats.org/presentationml/2006/main">
   <p:cSld name="Slide 3">
     <p:spTree>
@@ -4682,7 +5525,7 @@
 </p:sld>
 </file>
 
-<file path=ppt/slides/slide4.xml><?xml version="1.0" encoding="utf-8"?>
+<file path=ppt/slides/slide5.xml><?xml version="1.0" encoding="utf-8"?>
 <p:sld xmlns:a="http://schemas.openxmlformats.org/drawingml/2006/main" xmlns:r="http://schemas.openxmlformats.org/officeDocument/2006/relationships" xmlns:p="http://schemas.openxmlformats.org/presentationml/2006/main">
   <p:cSld name="Slide 4">
     <p:spTree>
@@ -4917,7 +5760,7 @@
 </p:sld>
 </file>
 
-<file path=ppt/slides/slide5.xml><?xml version="1.0" encoding="utf-8"?>
+<file path=ppt/slides/slide6.xml><?xml version="1.0" encoding="utf-8"?>
 <p:sld xmlns:a="http://schemas.openxmlformats.org/drawingml/2006/main" xmlns:r="http://schemas.openxmlformats.org/officeDocument/2006/relationships" xmlns:p="http://schemas.openxmlformats.org/presentationml/2006/main">
   <p:cSld name="Slide 5">
     <p:spTree>
@@ -5540,7 +6383,7 @@
 </p:sld>
 </file>
 
-<file path=ppt/slides/slide6.xml><?xml version="1.0" encoding="utf-8"?>
+<file path=ppt/slides/slide7.xml><?xml version="1.0" encoding="utf-8"?>
 <p:sld xmlns:a="http://schemas.openxmlformats.org/drawingml/2006/main" xmlns:r="http://schemas.openxmlformats.org/officeDocument/2006/relationships" xmlns:p="http://schemas.openxmlformats.org/presentationml/2006/main">
   <p:cSld name="Slide 6">
     <p:spTree>
@@ -6017,7 +6860,7 @@
 </p:sld>
 </file>
 
-<file path=ppt/slides/slide7.xml><?xml version="1.0" encoding="utf-8"?>
+<file path=ppt/slides/slide8.xml><?xml version="1.0" encoding="utf-8"?>
 <p:sld xmlns:a="http://schemas.openxmlformats.org/drawingml/2006/main" xmlns:r="http://schemas.openxmlformats.org/officeDocument/2006/relationships" xmlns:p="http://schemas.openxmlformats.org/presentationml/2006/main">
   <p:cSld name="Slide 7">
     <p:spTree>
@@ -6432,7 +7275,7 @@
 </p:sld>
 </file>
 
-<file path=ppt/slides/slide8.xml><?xml version="1.0" encoding="utf-8"?>
+<file path=ppt/slides/slide9.xml><?xml version="1.0" encoding="utf-8"?>
 <p:sld xmlns:a="http://schemas.openxmlformats.org/drawingml/2006/main" xmlns:r="http://schemas.openxmlformats.org/officeDocument/2006/relationships" xmlns:p="http://schemas.openxmlformats.org/presentationml/2006/main">
   <p:cSld name="Slide 8">
     <p:spTree>
@@ -6965,719 +7808,6 @@
               <a:t>Adds a "bye" for odd participants. Uses a rotation algorithm to create matches for every round. Round Robin ensures all players face each other.</a:t>
             </a:r>
             <a:endParaRPr lang="en-US" sz="1250" dirty="0"/>
-          </a:p>
-        </p:txBody>
-      </p:sp>
-    </p:spTree>
-  </p:cSld>
-  <p:clrMapOvr>
-    <a:masterClrMapping/>
-  </p:clrMapOvr>
-</p:sld>
-</file>
-
-<file path=ppt/slides/slide9.xml><?xml version="1.0" encoding="utf-8"?>
-<p:sld xmlns:a="http://schemas.openxmlformats.org/drawingml/2006/main" xmlns:r="http://schemas.openxmlformats.org/officeDocument/2006/relationships" xmlns:p="http://schemas.openxmlformats.org/presentationml/2006/main">
-  <p:cSld name="Slide 9">
-    <p:spTree>
-      <p:nvGrpSpPr>
-        <p:cNvPr id="1" name=""/>
-        <p:cNvGrpSpPr/>
-        <p:nvPr/>
-      </p:nvGrpSpPr>
-      <p:grpSpPr>
-        <a:xfrm>
-          <a:off x="0" y="0"/>
-          <a:ext cx="0" cy="0"/>
-          <a:chOff x="0" y="0"/>
-          <a:chExt cx="0" cy="0"/>
-        </a:xfrm>
-      </p:grpSpPr>
-      <p:sp>
-        <p:nvSpPr>
-          <p:cNvPr id="2" name="Text 0"/>
-          <p:cNvSpPr/>
-          <p:nvPr/>
-        </p:nvSpPr>
-        <p:spPr>
-          <a:xfrm>
-            <a:off x="542687" y="428268"/>
-            <a:ext cx="8514278" cy="456009"/>
-          </a:xfrm>
-          <a:prstGeom prst="rect">
-            <a:avLst/>
-          </a:prstGeom>
-          <a:noFill/>
-          <a:ln/>
-        </p:spPr>
-        <p:txBody>
-          <a:bodyPr wrap="none" lIns="0" tIns="0" rIns="0" bIns="0" rtlCol="0" anchor="t"/>
-          <a:lstStyle/>
-          <a:p>
-            <a:pPr marL="0" indent="0">
-              <a:lnSpc>
-                <a:spcPts val="3550"/>
-              </a:lnSpc>
-              <a:buNone/>
-            </a:pPr>
-            <a:r>
-              <a:rPr lang="en-US" sz="2850" dirty="0">
-                <a:solidFill>
-                  <a:srgbClr val="FFFFFF"/>
-                </a:solidFill>
-                <a:latin typeface="Unbounded" pitchFamily="34" charset="0"/>
-                <a:ea typeface="Unbounded" pitchFamily="34" charset="-122"/>
-                <a:cs typeface="Unbounded" pitchFamily="34" charset="-120"/>
-              </a:rPr>
-              <a:t>Code: Visualizing Round Robin Matches</a:t>
-            </a:r>
-            <a:endParaRPr lang="en-US" sz="2850" dirty="0"/>
-          </a:p>
-        </p:txBody>
-      </p:sp>
-      <p:sp>
-        <p:nvSpPr>
-          <p:cNvPr id="3" name="Shape 1"/>
-          <p:cNvSpPr/>
-          <p:nvPr/>
-        </p:nvSpPr>
-        <p:spPr>
-          <a:xfrm>
-            <a:off x="542687" y="1194316"/>
-            <a:ext cx="13545026" cy="6184583"/>
-          </a:xfrm>
-          <a:prstGeom prst="roundRect">
-            <a:avLst>
-              <a:gd name="adj" fmla="val 376"/>
-            </a:avLst>
-          </a:prstGeom>
-          <a:solidFill>
-            <a:srgbClr val="054842"/>
-          </a:solidFill>
-          <a:ln/>
-        </p:spPr>
-      </p:sp>
-      <p:sp>
-        <p:nvSpPr>
-          <p:cNvPr id="4" name="Shape 2"/>
-          <p:cNvSpPr/>
-          <p:nvPr/>
-        </p:nvSpPr>
-        <p:spPr>
-          <a:xfrm>
-            <a:off x="534948" y="1194316"/>
-            <a:ext cx="13560504" cy="6184583"/>
-          </a:xfrm>
-          <a:prstGeom prst="roundRect">
-            <a:avLst>
-              <a:gd name="adj" fmla="val 376"/>
-            </a:avLst>
-          </a:prstGeom>
-          <a:solidFill>
-            <a:srgbClr val="054842"/>
-          </a:solidFill>
-          <a:ln/>
-        </p:spPr>
-      </p:sp>
-      <p:sp>
-        <p:nvSpPr>
-          <p:cNvPr id="5" name="Text 3"/>
-          <p:cNvSpPr/>
-          <p:nvPr/>
-        </p:nvSpPr>
-        <p:spPr>
-          <a:xfrm>
-            <a:off x="689967" y="1310521"/>
-            <a:ext cx="13250466" cy="5952172"/>
-          </a:xfrm>
-          <a:prstGeom prst="rect">
-            <a:avLst/>
-          </a:prstGeom>
-          <a:noFill/>
-          <a:ln/>
-        </p:spPr>
-        <p:txBody>
-          <a:bodyPr wrap="square" lIns="0" tIns="0" rIns="0" bIns="0" rtlCol="0" anchor="t"/>
-          <a:lstStyle/>
-          <a:p>
-            <a:pPr marL="0" indent="0">
-              <a:lnSpc>
-                <a:spcPts val="1950"/>
-              </a:lnSpc>
-              <a:buNone/>
-            </a:pPr>
-            <a:r>
-              <a:rPr lang="en-US" sz="1200" dirty="0">
-                <a:solidFill>
-                  <a:srgbClr val="CAD6DE"/>
-                </a:solidFill>
-                <a:highlight>
-                  <a:srgbClr val="054842"/>
-                </a:highlight>
-                <a:latin typeface="Consolas" pitchFamily="34" charset="0"/>
-                <a:ea typeface="Consolas" pitchFamily="34" charset="-122"/>
-                <a:cs typeface="Consolas" pitchFamily="34" charset="-120"/>
-              </a:rPr>
-              <a:t>import matplotlib.pyplot as plt</a:t>
-            </a:r>
-            <a:endParaRPr lang="en-US" sz="1200" dirty="0"/>
-          </a:p>
-          <a:p>
-            <a:pPr marL="0" indent="0">
-              <a:lnSpc>
-                <a:spcPts val="1950"/>
-              </a:lnSpc>
-              <a:buNone/>
-            </a:pPr>
-            <a:r>
-              <a:rPr lang="en-US" sz="1200" dirty="0">
-                <a:solidFill>
-                  <a:srgbClr val="CAD6DE"/>
-                </a:solidFill>
-                <a:highlight>
-                  <a:srgbClr val="054842"/>
-                </a:highlight>
-                <a:latin typeface="Consolas" pitchFamily="34" charset="0"/>
-                <a:ea typeface="Consolas" pitchFamily="34" charset="-122"/>
-                <a:cs typeface="Consolas" pitchFamily="34" charset="-120"/>
-              </a:rPr>
-              <a:t>import math</a:t>
-            </a:r>
-            <a:endParaRPr lang="en-US" sz="1200" dirty="0"/>
-          </a:p>
-          <a:p>
-            <a:pPr marL="0" indent="0">
-              <a:lnSpc>
-                <a:spcPts val="1950"/>
-              </a:lnSpc>
-              <a:buNone/>
-            </a:pPr>
-            <a:endParaRPr lang="en-US" sz="1200" dirty="0"/>
-          </a:p>
-          <a:p>
-            <a:pPr marL="0" indent="0">
-              <a:lnSpc>
-                <a:spcPts val="1950"/>
-              </a:lnSpc>
-              <a:buNone/>
-            </a:pPr>
-            <a:r>
-              <a:rPr lang="en-US" sz="1200" dirty="0">
-                <a:solidFill>
-                  <a:srgbClr val="CAD6DE"/>
-                </a:solidFill>
-                <a:highlight>
-                  <a:srgbClr val="054842"/>
-                </a:highlight>
-                <a:latin typeface="Consolas" pitchFamily="34" charset="0"/>
-                <a:ea typeface="Consolas" pitchFamily="34" charset="-122"/>
-                <a:cs typeface="Consolas" pitchFamily="34" charset="-120"/>
-              </a:rPr>
-              <a:t>def visualize_round_robin(participants, schedule):</a:t>
-            </a:r>
-            <a:endParaRPr lang="en-US" sz="1200" dirty="0"/>
-          </a:p>
-          <a:p>
-            <a:pPr marL="0" indent="0">
-              <a:lnSpc>
-                <a:spcPts val="1950"/>
-              </a:lnSpc>
-              <a:buNone/>
-            </a:pPr>
-            <a:r>
-              <a:rPr lang="en-US" sz="1200" dirty="0">
-                <a:solidFill>
-                  <a:srgbClr val="CAD6DE"/>
-                </a:solidFill>
-                <a:highlight>
-                  <a:srgbClr val="054842"/>
-                </a:highlight>
-                <a:latin typeface="Consolas" pitchFamily="34" charset="0"/>
-                <a:ea typeface="Consolas" pitchFamily="34" charset="-122"/>
-                <a:cs typeface="Consolas" pitchFamily="34" charset="-120"/>
-              </a:rPr>
-              <a:t>    """ Visualizes the round-robin schedule in a circular graph. """</a:t>
-            </a:r>
-            <a:endParaRPr lang="en-US" sz="1200" dirty="0"/>
-          </a:p>
-          <a:p>
-            <a:pPr marL="0" indent="0">
-              <a:lnSpc>
-                <a:spcPts val="1950"/>
-              </a:lnSpc>
-              <a:buNone/>
-            </a:pPr>
-            <a:r>
-              <a:rPr lang="en-US" sz="1200" dirty="0">
-                <a:solidFill>
-                  <a:srgbClr val="CAD6DE"/>
-                </a:solidFill>
-                <a:highlight>
-                  <a:srgbClr val="054842"/>
-                </a:highlight>
-                <a:latin typeface="Consolas" pitchFamily="34" charset="0"/>
-                <a:ea typeface="Consolas" pitchFamily="34" charset="-122"/>
-                <a:cs typeface="Consolas" pitchFamily="34" charset="-120"/>
-              </a:rPr>
-              <a:t>    num_participants = len(participants)</a:t>
-            </a:r>
-            <a:endParaRPr lang="en-US" sz="1200" dirty="0"/>
-          </a:p>
-          <a:p>
-            <a:pPr marL="0" indent="0">
-              <a:lnSpc>
-                <a:spcPts val="1950"/>
-              </a:lnSpc>
-              <a:buNone/>
-            </a:pPr>
-            <a:r>
-              <a:rPr lang="en-US" sz="1200" dirty="0">
-                <a:solidFill>
-                  <a:srgbClr val="CAD6DE"/>
-                </a:solidFill>
-                <a:highlight>
-                  <a:srgbClr val="054842"/>
-                </a:highlight>
-                <a:latin typeface="Consolas" pitchFamily="34" charset="0"/>
-                <a:ea typeface="Consolas" pitchFamily="34" charset="-122"/>
-                <a:cs typeface="Consolas" pitchFamily="34" charset="-120"/>
-              </a:rPr>
-              <a:t>    angle_step = 2 * math.pi / num_participants</a:t>
-            </a:r>
-            <a:endParaRPr lang="en-US" sz="1200" dirty="0"/>
-          </a:p>
-          <a:p>
-            <a:pPr marL="0" indent="0">
-              <a:lnSpc>
-                <a:spcPts val="1950"/>
-              </a:lnSpc>
-              <a:buNone/>
-            </a:pPr>
-            <a:r>
-              <a:rPr lang="en-US" sz="1200" dirty="0">
-                <a:solidFill>
-                  <a:srgbClr val="CAD6DE"/>
-                </a:solidFill>
-                <a:highlight>
-                  <a:srgbClr val="054842"/>
-                </a:highlight>
-                <a:latin typeface="Consolas" pitchFamily="34" charset="0"/>
-                <a:ea typeface="Consolas" pitchFamily="34" charset="-122"/>
-                <a:cs typeface="Consolas" pitchFamily="34" charset="-120"/>
-              </a:rPr>
-              <a:t>    positions = [(math.cos(i * angle_step), math.sin(i * angle_step)) for i in range(num_participants)]</a:t>
-            </a:r>
-            <a:endParaRPr lang="en-US" sz="1200" dirty="0"/>
-          </a:p>
-          <a:p>
-            <a:pPr marL="0" indent="0">
-              <a:lnSpc>
-                <a:spcPts val="1950"/>
-              </a:lnSpc>
-              <a:buNone/>
-            </a:pPr>
-            <a:r>
-              <a:rPr lang="en-US" sz="1200" dirty="0">
-                <a:solidFill>
-                  <a:srgbClr val="CAD6DE"/>
-                </a:solidFill>
-                <a:highlight>
-                  <a:srgbClr val="054842"/>
-                </a:highlight>
-                <a:latin typeface="Consolas" pitchFamily="34" charset="0"/>
-                <a:ea typeface="Consolas" pitchFamily="34" charset="-122"/>
-                <a:cs typeface="Consolas" pitchFamily="34" charset="-120"/>
-              </a:rPr>
-              <a:t>    pos_map = {participants[i]: positions[i] for i in range(num_participants)}</a:t>
-            </a:r>
-            <a:endParaRPr lang="en-US" sz="1200" dirty="0"/>
-          </a:p>
-          <a:p>
-            <a:pPr marL="0" indent="0">
-              <a:lnSpc>
-                <a:spcPts val="1950"/>
-              </a:lnSpc>
-              <a:buNone/>
-            </a:pPr>
-            <a:r>
-              <a:rPr lang="en-US" sz="1200" dirty="0">
-                <a:solidFill>
-                  <a:srgbClr val="CAD6DE"/>
-                </a:solidFill>
-                <a:highlight>
-                  <a:srgbClr val="054842"/>
-                </a:highlight>
-                <a:latin typeface="Consolas" pitchFamily="34" charset="0"/>
-                <a:ea typeface="Consolas" pitchFamily="34" charset="-122"/>
-                <a:cs typeface="Consolas" pitchFamily="34" charset="-120"/>
-              </a:rPr>
-              <a:t>    plt.figure(figsize=(8, 8))</a:t>
-            </a:r>
-            <a:endParaRPr lang="en-US" sz="1200" dirty="0"/>
-          </a:p>
-          <a:p>
-            <a:pPr marL="0" indent="0">
-              <a:lnSpc>
-                <a:spcPts val="1950"/>
-              </a:lnSpc>
-              <a:buNone/>
-            </a:pPr>
-            <a:r>
-              <a:rPr lang="en-US" sz="1200" dirty="0">
-                <a:solidFill>
-                  <a:srgbClr val="CAD6DE"/>
-                </a:solidFill>
-                <a:highlight>
-                  <a:srgbClr val="054842"/>
-                </a:highlight>
-                <a:latin typeface="Consolas" pitchFamily="34" charset="0"/>
-                <a:ea typeface="Consolas" pitchFamily="34" charset="-122"/>
-                <a:cs typeface="Consolas" pitchFamily="34" charset="-120"/>
-              </a:rPr>
-              <a:t>    plt.axis("off")</a:t>
-            </a:r>
-            <a:endParaRPr lang="en-US" sz="1200" dirty="0"/>
-          </a:p>
-          <a:p>
-            <a:pPr marL="0" indent="0">
-              <a:lnSpc>
-                <a:spcPts val="1950"/>
-              </a:lnSpc>
-              <a:buNone/>
-            </a:pPr>
-            <a:r>
-              <a:rPr lang="en-US" sz="1200" dirty="0">
-                <a:solidFill>
-                  <a:srgbClr val="CAD6DE"/>
-                </a:solidFill>
-                <a:highlight>
-                  <a:srgbClr val="054842"/>
-                </a:highlight>
-                <a:latin typeface="Consolas" pitchFamily="34" charset="0"/>
-                <a:ea typeface="Consolas" pitchFamily="34" charset="-122"/>
-                <a:cs typeface="Consolas" pitchFamily="34" charset="-120"/>
-              </a:rPr>
-              <a:t>    # Plot nodes for participant</a:t>
-            </a:r>
-            <a:endParaRPr lang="en-US" sz="1200" dirty="0"/>
-          </a:p>
-          <a:p>
-            <a:pPr marL="0" indent="0">
-              <a:lnSpc>
-                <a:spcPts val="1950"/>
-              </a:lnSpc>
-              <a:buNone/>
-            </a:pPr>
-            <a:r>
-              <a:rPr lang="en-US" sz="1200" dirty="0">
-                <a:solidFill>
-                  <a:srgbClr val="CAD6DE"/>
-                </a:solidFill>
-                <a:highlight>
-                  <a:srgbClr val="054842"/>
-                </a:highlight>
-                <a:latin typeface="Consolas" pitchFamily="34" charset="0"/>
-                <a:ea typeface="Consolas" pitchFamily="34" charset="-122"/>
-                <a:cs typeface="Consolas" pitchFamily="34" charset="-120"/>
-              </a:rPr>
-              <a:t>    for participant, (x, y) in pos_map.items():</a:t>
-            </a:r>
-            <a:endParaRPr lang="en-US" sz="1200" dirty="0"/>
-          </a:p>
-          <a:p>
-            <a:pPr marL="0" indent="0">
-              <a:lnSpc>
-                <a:spcPts val="1950"/>
-              </a:lnSpc>
-              <a:buNone/>
-            </a:pPr>
-            <a:r>
-              <a:rPr lang="en-US" sz="1200" dirty="0">
-                <a:solidFill>
-                  <a:srgbClr val="CAD6DE"/>
-                </a:solidFill>
-                <a:highlight>
-                  <a:srgbClr val="054842"/>
-                </a:highlight>
-                <a:latin typeface="Consolas" pitchFamily="34" charset="0"/>
-                <a:ea typeface="Consolas" pitchFamily="34" charset="-122"/>
-                <a:cs typeface="Consolas" pitchFamily="34" charset="-120"/>
-              </a:rPr>
-              <a:t>        plt.scatter(x, y, s=500, color="lightblue", zorder=2)</a:t>
-            </a:r>
-            <a:endParaRPr lang="en-US" sz="1200" dirty="0"/>
-          </a:p>
-          <a:p>
-            <a:pPr marL="0" indent="0">
-              <a:lnSpc>
-                <a:spcPts val="1950"/>
-              </a:lnSpc>
-              <a:buNone/>
-            </a:pPr>
-            <a:r>
-              <a:rPr lang="en-US" sz="1200" dirty="0">
-                <a:solidFill>
-                  <a:srgbClr val="CAD6DE"/>
-                </a:solidFill>
-                <a:highlight>
-                  <a:srgbClr val="054842"/>
-                </a:highlight>
-                <a:latin typeface="Consolas" pitchFamily="34" charset="0"/>
-                <a:ea typeface="Consolas" pitchFamily="34" charset="-122"/>
-                <a:cs typeface="Consolas" pitchFamily="34" charset="-120"/>
-              </a:rPr>
-              <a:t>        plt.text(x, y, participant, ha="center", va="center", fontsize=10, fontweight="bold")</a:t>
-            </a:r>
-            <a:endParaRPr lang="en-US" sz="1200" dirty="0"/>
-          </a:p>
-          <a:p>
-            <a:pPr marL="0" indent="0">
-              <a:lnSpc>
-                <a:spcPts val="1950"/>
-              </a:lnSpc>
-              <a:buNone/>
-            </a:pPr>
-            <a:r>
-              <a:rPr lang="en-US" sz="1200" dirty="0">
-                <a:solidFill>
-                  <a:srgbClr val="CAD6DE"/>
-                </a:solidFill>
-                <a:highlight>
-                  <a:srgbClr val="054842"/>
-                </a:highlight>
-                <a:latin typeface="Consolas" pitchFamily="34" charset="0"/>
-                <a:ea typeface="Consolas" pitchFamily="34" charset="-122"/>
-                <a:cs typeface="Consolas" pitchFamily="34" charset="-120"/>
-              </a:rPr>
-              <a:t>    # Plot edges</a:t>
-            </a:r>
-            <a:endParaRPr lang="en-US" sz="1200" dirty="0"/>
-          </a:p>
-          <a:p>
-            <a:pPr marL="0" indent="0">
-              <a:lnSpc>
-                <a:spcPts val="1950"/>
-              </a:lnSpc>
-              <a:buNone/>
-            </a:pPr>
-            <a:r>
-              <a:rPr lang="en-US" sz="1200" dirty="0">
-                <a:solidFill>
-                  <a:srgbClr val="CAD6DE"/>
-                </a:solidFill>
-                <a:highlight>
-                  <a:srgbClr val="054842"/>
-                </a:highlight>
-                <a:latin typeface="Consolas" pitchFamily="34" charset="0"/>
-                <a:ea typeface="Consolas" pitchFamily="34" charset="-122"/>
-                <a:cs typeface="Consolas" pitchFamily="34" charset="-120"/>
-              </a:rPr>
-              <a:t>    for round_matches in schedule:</a:t>
-            </a:r>
-            <a:endParaRPr lang="en-US" sz="1200" dirty="0"/>
-          </a:p>
-          <a:p>
-            <a:pPr marL="0" indent="0">
-              <a:lnSpc>
-                <a:spcPts val="1950"/>
-              </a:lnSpc>
-              <a:buNone/>
-            </a:pPr>
-            <a:r>
-              <a:rPr lang="en-US" sz="1200" dirty="0">
-                <a:solidFill>
-                  <a:srgbClr val="CAD6DE"/>
-                </a:solidFill>
-                <a:highlight>
-                  <a:srgbClr val="054842"/>
-                </a:highlight>
-                <a:latin typeface="Consolas" pitchFamily="34" charset="0"/>
-                <a:ea typeface="Consolas" pitchFamily="34" charset="-122"/>
-                <a:cs typeface="Consolas" pitchFamily="34" charset="-120"/>
-              </a:rPr>
-              <a:t>        for match in round_matches:</a:t>
-            </a:r>
-            <a:endParaRPr lang="en-US" sz="1200" dirty="0"/>
-          </a:p>
-          <a:p>
-            <a:pPr marL="0" indent="0">
-              <a:lnSpc>
-                <a:spcPts val="1950"/>
-              </a:lnSpc>
-              <a:buNone/>
-            </a:pPr>
-            <a:r>
-              <a:rPr lang="en-US" sz="1200" dirty="0">
-                <a:solidFill>
-                  <a:srgbClr val="CAD6DE"/>
-                </a:solidFill>
-                <a:highlight>
-                  <a:srgbClr val="054842"/>
-                </a:highlight>
-                <a:latin typeface="Consolas" pitchFamily="34" charset="0"/>
-                <a:ea typeface="Consolas" pitchFamily="34" charset="-122"/>
-                <a:cs typeface="Consolas" pitchFamily="34" charset="-120"/>
-              </a:rPr>
-              <a:t>            if "Bye" not in match:</a:t>
-            </a:r>
-            <a:endParaRPr lang="en-US" sz="1200" dirty="0"/>
-          </a:p>
-          <a:p>
-            <a:pPr marL="0" indent="0">
-              <a:lnSpc>
-                <a:spcPts val="1950"/>
-              </a:lnSpc>
-              <a:buNone/>
-            </a:pPr>
-            <a:r>
-              <a:rPr lang="en-US" sz="1200" dirty="0">
-                <a:solidFill>
-                  <a:srgbClr val="CAD6DE"/>
-                </a:solidFill>
-                <a:highlight>
-                  <a:srgbClr val="054842"/>
-                </a:highlight>
-                <a:latin typeface="Consolas" pitchFamily="34" charset="0"/>
-                <a:ea typeface="Consolas" pitchFamily="34" charset="-122"/>
-                <a:cs typeface="Consolas" pitchFamily="34" charset="-120"/>
-              </a:rPr>
-              <a:t>                x1, y1 = pos_map[match[0]]</a:t>
-            </a:r>
-            <a:endParaRPr lang="en-US" sz="1200" dirty="0"/>
-          </a:p>
-          <a:p>
-            <a:pPr marL="0" indent="0">
-              <a:lnSpc>
-                <a:spcPts val="1950"/>
-              </a:lnSpc>
-              <a:buNone/>
-            </a:pPr>
-            <a:r>
-              <a:rPr lang="en-US" sz="1200" dirty="0">
-                <a:solidFill>
-                  <a:srgbClr val="CAD6DE"/>
-                </a:solidFill>
-                <a:highlight>
-                  <a:srgbClr val="054842"/>
-                </a:highlight>
-                <a:latin typeface="Consolas" pitchFamily="34" charset="0"/>
-                <a:ea typeface="Consolas" pitchFamily="34" charset="-122"/>
-                <a:cs typeface="Consolas" pitchFamily="34" charset="-120"/>
-              </a:rPr>
-              <a:t>                x2, y2 = pos_map[match[1]]</a:t>
-            </a:r>
-            <a:endParaRPr lang="en-US" sz="1200" dirty="0"/>
-          </a:p>
-          <a:p>
-            <a:pPr marL="0" indent="0">
-              <a:lnSpc>
-                <a:spcPts val="1950"/>
-              </a:lnSpc>
-              <a:buNone/>
-            </a:pPr>
-            <a:r>
-              <a:rPr lang="en-US" sz="1200" dirty="0">
-                <a:solidFill>
-                  <a:srgbClr val="CAD6DE"/>
-                </a:solidFill>
-                <a:highlight>
-                  <a:srgbClr val="054842"/>
-                </a:highlight>
-                <a:latin typeface="Consolas" pitchFamily="34" charset="0"/>
-                <a:ea typeface="Consolas" pitchFamily="34" charset="-122"/>
-                <a:cs typeface="Consolas" pitchFamily="34" charset="-120"/>
-              </a:rPr>
-              <a:t>                plt.plot([x1, x2], [y1, y2], color="gray", linestyle="--", zorder=1)</a:t>
-            </a:r>
-            <a:endParaRPr lang="en-US" sz="1200" dirty="0"/>
-          </a:p>
-          <a:p>
-            <a:pPr marL="0" indent="0">
-              <a:lnSpc>
-                <a:spcPts val="1950"/>
-              </a:lnSpc>
-              <a:buNone/>
-            </a:pPr>
-            <a:r>
-              <a:rPr lang="en-US" sz="1200" dirty="0">
-                <a:solidFill>
-                  <a:srgbClr val="CAD6DE"/>
-                </a:solidFill>
-                <a:highlight>
-                  <a:srgbClr val="054842"/>
-                </a:highlight>
-                <a:latin typeface="Consolas" pitchFamily="34" charset="0"/>
-                <a:ea typeface="Consolas" pitchFamily="34" charset="-122"/>
-                <a:cs typeface="Consolas" pitchFamily="34" charset="-120"/>
-              </a:rPr>
-              <a:t>    plt.title("Round Robin Match Visualization", fontsize=16)</a:t>
-            </a:r>
-            <a:endParaRPr lang="en-US" sz="1200" dirty="0"/>
-          </a:p>
-          <a:p>
-            <a:pPr marL="0" indent="0">
-              <a:lnSpc>
-                <a:spcPts val="1950"/>
-              </a:lnSpc>
-              <a:buNone/>
-            </a:pPr>
-            <a:r>
-              <a:rPr lang="en-US" sz="1200" dirty="0">
-                <a:solidFill>
-                  <a:srgbClr val="CAD6DE"/>
-                </a:solidFill>
-                <a:highlight>
-                  <a:srgbClr val="054842"/>
-                </a:highlight>
-                <a:latin typeface="Consolas" pitchFamily="34" charset="0"/>
-                <a:ea typeface="Consolas" pitchFamily="34" charset="-122"/>
-                <a:cs typeface="Consolas" pitchFamily="34" charset="-120"/>
-              </a:rPr>
-              <a:t>    plt.show()</a:t>
-            </a:r>
-            <a:endParaRPr lang="en-US" sz="1200" dirty="0"/>
-          </a:p>
-        </p:txBody>
-      </p:sp>
-      <p:sp>
-        <p:nvSpPr>
-          <p:cNvPr id="6" name="Text 4"/>
-          <p:cNvSpPr/>
-          <p:nvPr/>
-        </p:nvSpPr>
-        <p:spPr>
-          <a:xfrm>
-            <a:off x="542687" y="7553325"/>
-            <a:ext cx="13545026" cy="248007"/>
-          </a:xfrm>
-          <a:prstGeom prst="rect">
-            <a:avLst/>
-          </a:prstGeom>
-          <a:noFill/>
-          <a:ln/>
-        </p:spPr>
-        <p:txBody>
-          <a:bodyPr wrap="none" lIns="0" tIns="0" rIns="0" bIns="0" rtlCol="0" anchor="t"/>
-          <a:lstStyle/>
-          <a:p>
-            <a:pPr marL="0" indent="0">
-              <a:lnSpc>
-                <a:spcPts val="1950"/>
-              </a:lnSpc>
-              <a:buNone/>
-            </a:pPr>
-            <a:r>
-              <a:rPr lang="en-US" sz="1200" dirty="0">
-                <a:solidFill>
-                  <a:srgbClr val="CAD6DE"/>
-                </a:solidFill>
-                <a:latin typeface="Cabin" pitchFamily="34" charset="0"/>
-                <a:ea typeface="Cabin" pitchFamily="34" charset="-122"/>
-                <a:cs typeface="Cabin" pitchFamily="34" charset="-120"/>
-              </a:rPr>
-              <a:t>Creates a circular graph representing players and their matches. Matches visualized as edges; players as nodes. Demonstrates combinatorics and graph theory concepts.</a:t>
-            </a:r>
-            <a:endParaRPr lang="en-US" sz="1200" dirty="0"/>
           </a:p>
         </p:txBody>
       </p:sp>
